--- a/Documentation/Slides/Week_14.pptx
+++ b/Documentation/Slides/Week_14.pptx
@@ -5,7 +5,7 @@
     <p:sldMasterId id="2147483648" r:id="rId4"/>
   </p:sldMasterIdLst>
   <p:notesMasterIdLst>
-    <p:notesMasterId r:id="rId14"/>
+    <p:notesMasterId r:id="rId18"/>
   </p:notesMasterIdLst>
   <p:sldIdLst>
     <p:sldId id="267" r:id="rId5"/>
@@ -14,38 +14,42 @@
     <p:sldId id="290" r:id="rId8"/>
     <p:sldId id="291" r:id="rId9"/>
     <p:sldId id="292" r:id="rId10"/>
-    <p:sldId id="285" r:id="rId11"/>
-    <p:sldId id="278" r:id="rId12"/>
-    <p:sldId id="277" r:id="rId13"/>
+    <p:sldId id="293" r:id="rId11"/>
+    <p:sldId id="294" r:id="rId12"/>
+    <p:sldId id="295" r:id="rId13"/>
+    <p:sldId id="296" r:id="rId14"/>
+    <p:sldId id="285" r:id="rId15"/>
+    <p:sldId id="278" r:id="rId16"/>
+    <p:sldId id="277" r:id="rId17"/>
   </p:sldIdLst>
   <p:sldSz cx="9144000" cy="6858000" type="screen4x3"/>
   <p:notesSz cx="6858000" cy="9144000"/>
   <p:embeddedFontLst>
     <p:embeddedFont>
       <p:font typeface="Acumin Pro Condensed Semibold" panose="020B0706020202020204" pitchFamily="34" charset="77"/>
-      <p:regular r:id="rId15"/>
-      <p:bold r:id="rId16"/>
-      <p:italic r:id="rId17"/>
-      <p:boldItalic r:id="rId18"/>
+      <p:regular r:id="rId19"/>
+      <p:bold r:id="rId20"/>
+      <p:italic r:id="rId21"/>
+      <p:boldItalic r:id="rId22"/>
     </p:embeddedFont>
     <p:embeddedFont>
       <p:font typeface="Acumin Pro Medium" panose="020B0604020202020204" pitchFamily="34" charset="77"/>
-      <p:regular r:id="rId19"/>
-      <p:italic r:id="rId20"/>
-    </p:embeddedFont>
-    <p:embeddedFont>
-      <p:font typeface="Franklin Gothic Book" panose="020B0503020102020204" pitchFamily="34" charset="0"/>
-      <p:regular r:id="rId21"/>
-      <p:italic r:id="rId22"/>
-    </p:embeddedFont>
-    <p:embeddedFont>
-      <p:font typeface="Franklin Gothic Medium" panose="020B0603020102020204" pitchFamily="34" charset="0"/>
       <p:regular r:id="rId23"/>
       <p:italic r:id="rId24"/>
     </p:embeddedFont>
     <p:embeddedFont>
+      <p:font typeface="Franklin Gothic Book" panose="020B0503020102020204" pitchFamily="34" charset="0"/>
+      <p:regular r:id="rId25"/>
+      <p:italic r:id="rId26"/>
+    </p:embeddedFont>
+    <p:embeddedFont>
+      <p:font typeface="Franklin Gothic Medium" panose="020B0603020102020204" pitchFamily="34" charset="0"/>
+      <p:regular r:id="rId27"/>
+      <p:italic r:id="rId28"/>
+    </p:embeddedFont>
+    <p:embeddedFont>
       <p:font typeface="Franklin Gothic Medium Cond" panose="020B0606030402020204" pitchFamily="34" charset="0"/>
-      <p:regular r:id="rId25"/>
+      <p:regular r:id="rId29"/>
     </p:embeddedFont>
   </p:embeddedFontLst>
   <p:defaultTextStyle>
@@ -250,7 +254,7 @@
           <a:p>
             <a:fld id="{01926CF7-48D8-2F46-AFC8-8A5D2298DFDD}" type="datetimeFigureOut">
               <a:rPr lang="en-US" smtClean="0"/>
-              <a:t>12/1/25</a:t>
+              <a:t>12/5/25</a:t>
             </a:fld>
             <a:endParaRPr lang="en-US"/>
           </a:p>
@@ -13661,7 +13665,7 @@
           <a:p>
             <a:r>
               <a:rPr lang="en-US" dirty="0"/>
-              <a:t>12/01/2025</a:t>
+              <a:t>12/05/2025</a:t>
             </a:r>
           </a:p>
         </p:txBody>
@@ -13670,6 +13674,1000 @@
     <p:extLst>
       <p:ext uri="{BB962C8B-B14F-4D97-AF65-F5344CB8AC3E}">
         <p14:creationId xmlns:p14="http://schemas.microsoft.com/office/powerpoint/2010/main" val="4154997097"/>
+      </p:ext>
+    </p:extLst>
+  </p:cSld>
+  <p:clrMapOvr>
+    <a:masterClrMapping/>
+  </p:clrMapOvr>
+</p:sld>
+</file>
+
+<file path=ppt/slides/slide10.xml><?xml version="1.0" encoding="utf-8"?>
+<p:sld xmlns:a="http://schemas.openxmlformats.org/drawingml/2006/main" xmlns:r="http://schemas.openxmlformats.org/officeDocument/2006/relationships" xmlns:p="http://schemas.openxmlformats.org/presentationml/2006/main">
+  <p:cSld>
+    <p:spTree>
+      <p:nvGrpSpPr>
+        <p:cNvPr id="1" name="">
+          <a:extLst>
+            <a:ext uri="{FF2B5EF4-FFF2-40B4-BE49-F238E27FC236}">
+              <a16:creationId xmlns:a16="http://schemas.microsoft.com/office/drawing/2014/main" id="{FE537824-3649-9DF8-027A-1B0F47B29A0C}"/>
+            </a:ext>
+          </a:extLst>
+        </p:cNvPr>
+        <p:cNvGrpSpPr/>
+        <p:nvPr/>
+      </p:nvGrpSpPr>
+      <p:grpSpPr>
+        <a:xfrm>
+          <a:off x="0" y="0"/>
+          <a:ext cx="0" cy="0"/>
+          <a:chOff x="0" y="0"/>
+          <a:chExt cx="0" cy="0"/>
+        </a:xfrm>
+      </p:grpSpPr>
+      <p:sp>
+        <p:nvSpPr>
+          <p:cNvPr id="4" name="Title 3">
+            <a:extLst>
+              <a:ext uri="{FF2B5EF4-FFF2-40B4-BE49-F238E27FC236}">
+                <a16:creationId xmlns:a16="http://schemas.microsoft.com/office/drawing/2014/main" id="{B23D6472-8934-877D-998E-7820C7893BA1}"/>
+              </a:ext>
+            </a:extLst>
+          </p:cNvPr>
+          <p:cNvSpPr>
+            <a:spLocks noGrp="1"/>
+          </p:cNvSpPr>
+          <p:nvPr>
+            <p:ph type="title"/>
+          </p:nvPr>
+        </p:nvSpPr>
+        <p:spPr>
+          <a:xfrm>
+            <a:off x="351064" y="385004"/>
+            <a:ext cx="8450036" cy="589032"/>
+          </a:xfrm>
+        </p:spPr>
+        <p:txBody>
+          <a:bodyPr anchor="ctr">
+            <a:normAutofit/>
+          </a:bodyPr>
+          <a:lstStyle/>
+          <a:p>
+            <a:r>
+              <a:rPr lang="en-US" sz="3300"/>
+              <a:t>Case Study on Resistive vs. Capacitive Sensors</a:t>
+            </a:r>
+          </a:p>
+        </p:txBody>
+      </p:sp>
+      <p:sp>
+        <p:nvSpPr>
+          <p:cNvPr id="2" name="Text Placeholder 1">
+            <a:extLst>
+              <a:ext uri="{FF2B5EF4-FFF2-40B4-BE49-F238E27FC236}">
+                <a16:creationId xmlns:a16="http://schemas.microsoft.com/office/drawing/2014/main" id="{A2BB3C36-0A21-90F3-06E2-A3D115A82CD6}"/>
+              </a:ext>
+            </a:extLst>
+          </p:cNvPr>
+          <p:cNvSpPr>
+            <a:spLocks noGrp="1"/>
+          </p:cNvSpPr>
+          <p:nvPr>
+            <p:ph type="body" sz="quarter" idx="11"/>
+          </p:nvPr>
+        </p:nvSpPr>
+        <p:spPr>
+          <a:xfrm>
+            <a:off x="342900" y="954291"/>
+            <a:ext cx="8458200" cy="365760"/>
+          </a:xfrm>
+        </p:spPr>
+        <p:txBody>
+          <a:bodyPr>
+            <a:normAutofit lnSpcReduction="10000"/>
+          </a:bodyPr>
+          <a:lstStyle/>
+          <a:p>
+            <a:r>
+              <a:rPr lang="en-US" dirty="0"/>
+              <a:t>Relative Sizing of Strain Sensor</a:t>
+            </a:r>
+          </a:p>
+        </p:txBody>
+      </p:sp>
+      <p:sp>
+        <p:nvSpPr>
+          <p:cNvPr id="5" name="Footer Placeholder 4">
+            <a:extLst>
+              <a:ext uri="{FF2B5EF4-FFF2-40B4-BE49-F238E27FC236}">
+                <a16:creationId xmlns:a16="http://schemas.microsoft.com/office/drawing/2014/main" id="{DDED7D2A-E939-AC5F-347D-C0F28B350740}"/>
+              </a:ext>
+            </a:extLst>
+          </p:cNvPr>
+          <p:cNvSpPr>
+            <a:spLocks noGrp="1"/>
+          </p:cNvSpPr>
+          <p:nvPr>
+            <p:ph type="ftr" sz="quarter" idx="14"/>
+          </p:nvPr>
+        </p:nvSpPr>
+        <p:spPr>
+          <a:xfrm>
+            <a:off x="7461174" y="6295058"/>
+            <a:ext cx="1339925" cy="323970"/>
+          </a:xfrm>
+        </p:spPr>
+        <p:txBody>
+          <a:bodyPr anchor="ctr">
+            <a:normAutofit/>
+          </a:bodyPr>
+          <a:lstStyle/>
+          <a:p>
+            <a:pPr algn="r">
+              <a:spcAft>
+                <a:spcPts val="600"/>
+              </a:spcAft>
+            </a:pPr>
+            <a:r>
+              <a:rPr lang="en-US"/>
+              <a:t>3/31/23            ‹#›</a:t>
+            </a:r>
+          </a:p>
+        </p:txBody>
+      </p:sp>
+      <p:sp>
+        <p:nvSpPr>
+          <p:cNvPr id="8" name="TextBox 7">
+            <a:extLst>
+              <a:ext uri="{FF2B5EF4-FFF2-40B4-BE49-F238E27FC236}">
+                <a16:creationId xmlns:a16="http://schemas.microsoft.com/office/drawing/2014/main" id="{2170E1F7-3CDB-AD23-8B94-9A94F88E3EF1}"/>
+              </a:ext>
+            </a:extLst>
+          </p:cNvPr>
+          <p:cNvSpPr txBox="1"/>
+          <p:nvPr/>
+        </p:nvSpPr>
+        <p:spPr>
+          <a:xfrm>
+            <a:off x="342900" y="2535095"/>
+            <a:ext cx="2447779" cy="369332"/>
+          </a:xfrm>
+          <a:prstGeom prst="rect">
+            <a:avLst/>
+          </a:prstGeom>
+          <a:noFill/>
+        </p:spPr>
+        <p:txBody>
+          <a:bodyPr wrap="square" rtlCol="0">
+            <a:spAutoFit/>
+          </a:bodyPr>
+          <a:lstStyle/>
+          <a:p>
+            <a:r>
+              <a:rPr lang="en-US" dirty="0"/>
+              <a:t>Strain Gauge</a:t>
+            </a:r>
+          </a:p>
+        </p:txBody>
+      </p:sp>
+      <p:sp>
+        <p:nvSpPr>
+          <p:cNvPr id="9" name="TextBox 8">
+            <a:extLst>
+              <a:ext uri="{FF2B5EF4-FFF2-40B4-BE49-F238E27FC236}">
+                <a16:creationId xmlns:a16="http://schemas.microsoft.com/office/drawing/2014/main" id="{0F9DB71E-87ED-CE4C-9E36-544FD175B157}"/>
+              </a:ext>
+            </a:extLst>
+          </p:cNvPr>
+          <p:cNvSpPr txBox="1"/>
+          <p:nvPr/>
+        </p:nvSpPr>
+        <p:spPr>
+          <a:xfrm>
+            <a:off x="3639148" y="3825186"/>
+            <a:ext cx="2447779" cy="369332"/>
+          </a:xfrm>
+          <a:prstGeom prst="rect">
+            <a:avLst/>
+          </a:prstGeom>
+          <a:noFill/>
+        </p:spPr>
+        <p:txBody>
+          <a:bodyPr wrap="square" rtlCol="0">
+            <a:spAutoFit/>
+          </a:bodyPr>
+          <a:lstStyle/>
+          <a:p>
+            <a:r>
+              <a:rPr lang="en-US" dirty="0"/>
+              <a:t>Charge Amplifier</a:t>
+            </a:r>
+          </a:p>
+        </p:txBody>
+      </p:sp>
+      <p:pic>
+        <p:nvPicPr>
+          <p:cNvPr id="3" name="Picture 2" descr="A screenshot of a graph&#10;&#10;AI-generated content may be incorrect.">
+            <a:extLst>
+              <a:ext uri="{FF2B5EF4-FFF2-40B4-BE49-F238E27FC236}">
+                <a16:creationId xmlns:a16="http://schemas.microsoft.com/office/drawing/2014/main" id="{07491A10-2E3C-1262-FEE2-1C3D987BAEC2}"/>
+              </a:ext>
+            </a:extLst>
+          </p:cNvPr>
+          <p:cNvPicPr>
+            <a:picLocks noChangeAspect="1"/>
+          </p:cNvPicPr>
+          <p:nvPr/>
+        </p:nvPicPr>
+        <p:blipFill>
+          <a:blip r:embed="rId2"/>
+          <a:stretch>
+            <a:fillRect/>
+          </a:stretch>
+        </p:blipFill>
+        <p:spPr>
+          <a:xfrm>
+            <a:off x="135927" y="1318429"/>
+            <a:ext cx="8556811" cy="1300397"/>
+          </a:xfrm>
+          <a:prstGeom prst="rect">
+            <a:avLst/>
+          </a:prstGeom>
+        </p:spPr>
+      </p:pic>
+      <p:pic>
+        <p:nvPicPr>
+          <p:cNvPr id="11" name="Picture 10" descr="A blueprint of a computer chip&#10;&#10;AI-generated content may be incorrect.">
+            <a:extLst>
+              <a:ext uri="{FF2B5EF4-FFF2-40B4-BE49-F238E27FC236}">
+                <a16:creationId xmlns:a16="http://schemas.microsoft.com/office/drawing/2014/main" id="{D2BDFCF2-0E18-02DB-4FAD-10A109BBA01A}"/>
+              </a:ext>
+            </a:extLst>
+          </p:cNvPr>
+          <p:cNvPicPr>
+            <a:picLocks noChangeAspect="1"/>
+          </p:cNvPicPr>
+          <p:nvPr/>
+        </p:nvPicPr>
+        <p:blipFill>
+          <a:blip r:embed="rId3"/>
+          <a:stretch>
+            <a:fillRect/>
+          </a:stretch>
+        </p:blipFill>
+        <p:spPr>
+          <a:xfrm>
+            <a:off x="5161991" y="2618825"/>
+            <a:ext cx="3530747" cy="3520717"/>
+          </a:xfrm>
+          <a:prstGeom prst="rect">
+            <a:avLst/>
+          </a:prstGeom>
+        </p:spPr>
+      </p:pic>
+    </p:spTree>
+    <p:extLst>
+      <p:ext uri="{BB962C8B-B14F-4D97-AF65-F5344CB8AC3E}">
+        <p14:creationId xmlns:p14="http://schemas.microsoft.com/office/powerpoint/2010/main" val="2737987495"/>
+      </p:ext>
+    </p:extLst>
+  </p:cSld>
+  <p:clrMapOvr>
+    <a:masterClrMapping/>
+  </p:clrMapOvr>
+</p:sld>
+</file>
+
+<file path=ppt/slides/slide11.xml><?xml version="1.0" encoding="utf-8"?>
+<p:sld xmlns:a="http://schemas.openxmlformats.org/drawingml/2006/main" xmlns:r="http://schemas.openxmlformats.org/officeDocument/2006/relationships" xmlns:p="http://schemas.openxmlformats.org/presentationml/2006/main">
+  <p:cSld>
+    <p:spTree>
+      <p:nvGrpSpPr>
+        <p:cNvPr id="1" name="">
+          <a:extLst>
+            <a:ext uri="{FF2B5EF4-FFF2-40B4-BE49-F238E27FC236}">
+              <a16:creationId xmlns:a16="http://schemas.microsoft.com/office/drawing/2014/main" id="{959946EF-B31F-ED11-7273-10C01E654B85}"/>
+            </a:ext>
+          </a:extLst>
+        </p:cNvPr>
+        <p:cNvGrpSpPr/>
+        <p:nvPr/>
+      </p:nvGrpSpPr>
+      <p:grpSpPr>
+        <a:xfrm>
+          <a:off x="0" y="0"/>
+          <a:ext cx="0" cy="0"/>
+          <a:chOff x="0" y="0"/>
+          <a:chExt cx="0" cy="0"/>
+        </a:xfrm>
+      </p:grpSpPr>
+      <p:sp>
+        <p:nvSpPr>
+          <p:cNvPr id="4" name="Title 3">
+            <a:extLst>
+              <a:ext uri="{FF2B5EF4-FFF2-40B4-BE49-F238E27FC236}">
+                <a16:creationId xmlns:a16="http://schemas.microsoft.com/office/drawing/2014/main" id="{A5CC5C2E-31DD-B39F-37F4-AE2FD8F7E084}"/>
+              </a:ext>
+            </a:extLst>
+          </p:cNvPr>
+          <p:cNvSpPr>
+            <a:spLocks noGrp="1"/>
+          </p:cNvSpPr>
+          <p:nvPr>
+            <p:ph type="title"/>
+          </p:nvPr>
+        </p:nvSpPr>
+        <p:spPr>
+          <a:xfrm>
+            <a:off x="351064" y="385004"/>
+            <a:ext cx="8450036" cy="589032"/>
+          </a:xfrm>
+        </p:spPr>
+        <p:txBody>
+          <a:bodyPr anchor="ctr">
+            <a:normAutofit/>
+          </a:bodyPr>
+          <a:lstStyle/>
+          <a:p>
+            <a:r>
+              <a:rPr lang="en-US" dirty="0"/>
+              <a:t>Rev. 3 PCB Started</a:t>
+            </a:r>
+          </a:p>
+        </p:txBody>
+      </p:sp>
+      <p:pic>
+        <p:nvPicPr>
+          <p:cNvPr id="6" name="Content Placeholder 5" descr="A green circuit board with white and black components&#10;&#10;AI-generated content may be incorrect.">
+            <a:extLst>
+              <a:ext uri="{FF2B5EF4-FFF2-40B4-BE49-F238E27FC236}">
+                <a16:creationId xmlns:a16="http://schemas.microsoft.com/office/drawing/2014/main" id="{0EF9F5B1-926D-3245-B765-7F285EB7A529}"/>
+              </a:ext>
+            </a:extLst>
+          </p:cNvPr>
+          <p:cNvPicPr>
+            <a:picLocks noGrp="1" noChangeAspect="1"/>
+          </p:cNvPicPr>
+          <p:nvPr>
+            <p:ph idx="12"/>
+          </p:nvPr>
+        </p:nvPicPr>
+        <p:blipFill>
+          <a:blip r:embed="rId2"/>
+          <a:srcRect l="5034" r="5034" b="-2"/>
+          <a:stretch>
+            <a:fillRect/>
+          </a:stretch>
+        </p:blipFill>
+        <p:spPr>
+          <a:xfrm>
+            <a:off x="901247" y="2351171"/>
+            <a:ext cx="3509695" cy="3795373"/>
+          </a:xfrm>
+          <a:noFill/>
+        </p:spPr>
+      </p:pic>
+      <p:pic>
+        <p:nvPicPr>
+          <p:cNvPr id="9" name="Picture 8" descr="A green circuit board with white lines and yellow dots&#10;&#10;AI-generated content may be incorrect.">
+            <a:extLst>
+              <a:ext uri="{FF2B5EF4-FFF2-40B4-BE49-F238E27FC236}">
+                <a16:creationId xmlns:a16="http://schemas.microsoft.com/office/drawing/2014/main" id="{CE587B13-2A52-8024-BB03-F9D8BB97F795}"/>
+              </a:ext>
+            </a:extLst>
+          </p:cNvPr>
+          <p:cNvPicPr>
+            <a:picLocks noChangeAspect="1"/>
+          </p:cNvPicPr>
+          <p:nvPr/>
+        </p:nvPicPr>
+        <p:blipFill>
+          <a:blip r:embed="rId3"/>
+          <a:srcRect t="16230" r="-1" b="14179"/>
+          <a:stretch>
+            <a:fillRect/>
+          </a:stretch>
+        </p:blipFill>
+        <p:spPr>
+          <a:xfrm>
+            <a:off x="5291404" y="2351171"/>
+            <a:ext cx="3509695" cy="3786648"/>
+          </a:xfrm>
+          <a:prstGeom prst="rect">
+            <a:avLst/>
+          </a:prstGeom>
+          <a:noFill/>
+        </p:spPr>
+      </p:pic>
+      <p:sp>
+        <p:nvSpPr>
+          <p:cNvPr id="2" name="Text Placeholder 1">
+            <a:extLst>
+              <a:ext uri="{FF2B5EF4-FFF2-40B4-BE49-F238E27FC236}">
+                <a16:creationId xmlns:a16="http://schemas.microsoft.com/office/drawing/2014/main" id="{D73D6F0C-DD2A-39B7-89C0-FECD598E9FCA}"/>
+              </a:ext>
+            </a:extLst>
+          </p:cNvPr>
+          <p:cNvSpPr>
+            <a:spLocks noGrp="1"/>
+          </p:cNvSpPr>
+          <p:nvPr>
+            <p:ph type="body" sz="quarter" idx="11"/>
+          </p:nvPr>
+        </p:nvSpPr>
+        <p:spPr>
+          <a:xfrm>
+            <a:off x="342900" y="954291"/>
+            <a:ext cx="8458200" cy="365760"/>
+          </a:xfrm>
+        </p:spPr>
+        <p:txBody>
+          <a:bodyPr>
+            <a:normAutofit lnSpcReduction="10000"/>
+          </a:bodyPr>
+          <a:lstStyle/>
+          <a:p>
+            <a:r>
+              <a:rPr lang="en-US" dirty="0"/>
+              <a:t>Component Placement on Board</a:t>
+            </a:r>
+          </a:p>
+        </p:txBody>
+      </p:sp>
+      <p:sp>
+        <p:nvSpPr>
+          <p:cNvPr id="5" name="Footer Placeholder 4">
+            <a:extLst>
+              <a:ext uri="{FF2B5EF4-FFF2-40B4-BE49-F238E27FC236}">
+                <a16:creationId xmlns:a16="http://schemas.microsoft.com/office/drawing/2014/main" id="{DE682037-7537-0439-3E01-B65E42678B37}"/>
+              </a:ext>
+            </a:extLst>
+          </p:cNvPr>
+          <p:cNvSpPr>
+            <a:spLocks noGrp="1"/>
+          </p:cNvSpPr>
+          <p:nvPr>
+            <p:ph type="ftr" sz="quarter" idx="14"/>
+          </p:nvPr>
+        </p:nvSpPr>
+        <p:spPr>
+          <a:xfrm>
+            <a:off x="7461174" y="6295058"/>
+            <a:ext cx="1339925" cy="323970"/>
+          </a:xfrm>
+        </p:spPr>
+        <p:txBody>
+          <a:bodyPr anchor="ctr">
+            <a:normAutofit/>
+          </a:bodyPr>
+          <a:lstStyle/>
+          <a:p>
+            <a:pPr algn="r">
+              <a:spcAft>
+                <a:spcPts val="600"/>
+              </a:spcAft>
+            </a:pPr>
+            <a:r>
+              <a:rPr lang="en-US"/>
+              <a:t>3/7</a:t>
+            </a:r>
+          </a:p>
+        </p:txBody>
+      </p:sp>
+      <p:sp>
+        <p:nvSpPr>
+          <p:cNvPr id="10" name="Text Placeholder 2">
+            <a:extLst>
+              <a:ext uri="{FF2B5EF4-FFF2-40B4-BE49-F238E27FC236}">
+                <a16:creationId xmlns:a16="http://schemas.microsoft.com/office/drawing/2014/main" id="{A0BBC3D0-CD35-9E1E-03DB-2240D3BB05B6}"/>
+              </a:ext>
+            </a:extLst>
+          </p:cNvPr>
+          <p:cNvSpPr txBox="1">
+            <a:spLocks/>
+          </p:cNvSpPr>
+          <p:nvPr/>
+        </p:nvSpPr>
+        <p:spPr>
+          <a:xfrm>
+            <a:off x="342900" y="1543324"/>
+            <a:ext cx="8450035" cy="4454706"/>
+          </a:xfrm>
+          <a:prstGeom prst="rect">
+            <a:avLst/>
+          </a:prstGeom>
+        </p:spPr>
+        <p:txBody>
+          <a:bodyPr/>
+          <a:lstStyle>
+            <a:lvl1pPr marL="171450" indent="-171450" algn="l" defTabSz="685800" rtl="0" eaLnBrk="1" latinLnBrk="0" hangingPunct="1">
+              <a:lnSpc>
+                <a:spcPct val="90000"/>
+              </a:lnSpc>
+              <a:spcBef>
+                <a:spcPts val="750"/>
+              </a:spcBef>
+              <a:buFont typeface="Wingdings" pitchFamily="2" charset="2"/>
+              <a:buChar char="§"/>
+              <a:defRPr sz="1800" b="0" i="0" kern="1200" baseline="0">
+                <a:solidFill>
+                  <a:schemeClr val="tx1"/>
+                </a:solidFill>
+                <a:latin typeface="+mn-lt"/>
+                <a:ea typeface="+mn-ea"/>
+                <a:cs typeface="+mn-cs"/>
+              </a:defRPr>
+            </a:lvl1pPr>
+            <a:lvl2pPr marL="514350" indent="-171450" algn="l" defTabSz="685800" rtl="0" eaLnBrk="1" latinLnBrk="0" hangingPunct="1">
+              <a:lnSpc>
+                <a:spcPct val="90000"/>
+              </a:lnSpc>
+              <a:spcBef>
+                <a:spcPts val="375"/>
+              </a:spcBef>
+              <a:buFont typeface="Wingdings" pitchFamily="2" charset="2"/>
+              <a:buChar char="§"/>
+              <a:defRPr sz="1700" b="0" i="0" kern="1200" baseline="0">
+                <a:solidFill>
+                  <a:schemeClr val="tx1"/>
+                </a:solidFill>
+                <a:latin typeface="+mn-lt"/>
+                <a:ea typeface="+mn-ea"/>
+                <a:cs typeface="+mn-cs"/>
+              </a:defRPr>
+            </a:lvl2pPr>
+            <a:lvl3pPr marL="857250" indent="-171450" algn="l" defTabSz="685800" rtl="0" eaLnBrk="1" latinLnBrk="0" hangingPunct="1">
+              <a:lnSpc>
+                <a:spcPct val="90000"/>
+              </a:lnSpc>
+              <a:spcBef>
+                <a:spcPts val="375"/>
+              </a:spcBef>
+              <a:buFont typeface="Wingdings" pitchFamily="2" charset="2"/>
+              <a:buChar char="§"/>
+              <a:defRPr sz="1600" b="0" i="0" kern="1200" baseline="0">
+                <a:solidFill>
+                  <a:schemeClr val="tx1"/>
+                </a:solidFill>
+                <a:latin typeface="+mn-lt"/>
+                <a:ea typeface="+mn-ea"/>
+                <a:cs typeface="+mn-cs"/>
+              </a:defRPr>
+            </a:lvl3pPr>
+            <a:lvl4pPr marL="1200150" indent="-171450" algn="l" defTabSz="685800" rtl="0" eaLnBrk="1" latinLnBrk="0" hangingPunct="1">
+              <a:lnSpc>
+                <a:spcPct val="90000"/>
+              </a:lnSpc>
+              <a:spcBef>
+                <a:spcPts val="375"/>
+              </a:spcBef>
+              <a:buFont typeface="Wingdings" pitchFamily="2" charset="2"/>
+              <a:buChar char="§"/>
+              <a:defRPr sz="1200" b="0" i="0" kern="1200" baseline="0">
+                <a:solidFill>
+                  <a:schemeClr val="tx1"/>
+                </a:solidFill>
+                <a:latin typeface="+mn-lt"/>
+                <a:ea typeface="+mn-ea"/>
+                <a:cs typeface="+mn-cs"/>
+              </a:defRPr>
+            </a:lvl4pPr>
+            <a:lvl5pPr marL="1371600" indent="0" algn="l" defTabSz="685800" rtl="0" eaLnBrk="1" latinLnBrk="0" hangingPunct="1">
+              <a:lnSpc>
+                <a:spcPct val="90000"/>
+              </a:lnSpc>
+              <a:spcBef>
+                <a:spcPts val="375"/>
+              </a:spcBef>
+              <a:buFont typeface="Wingdings" pitchFamily="2" charset="2"/>
+              <a:buNone/>
+              <a:defRPr sz="1050" b="0" i="0" kern="1200" baseline="0">
+                <a:solidFill>
+                  <a:schemeClr val="tx1"/>
+                </a:solidFill>
+                <a:latin typeface="+mn-lt"/>
+                <a:ea typeface="+mn-ea"/>
+                <a:cs typeface="+mn-cs"/>
+              </a:defRPr>
+            </a:lvl5pPr>
+            <a:lvl6pPr marL="1885950" indent="-171450" algn="l" defTabSz="685800" rtl="0" eaLnBrk="1" latinLnBrk="0" hangingPunct="1">
+              <a:lnSpc>
+                <a:spcPct val="90000"/>
+              </a:lnSpc>
+              <a:spcBef>
+                <a:spcPts val="375"/>
+              </a:spcBef>
+              <a:buFont typeface="Arial" panose="020B0604020202020204" pitchFamily="34" charset="0"/>
+              <a:buChar char="•"/>
+              <a:defRPr sz="1350" kern="1200">
+                <a:solidFill>
+                  <a:schemeClr val="tx1"/>
+                </a:solidFill>
+                <a:latin typeface="+mn-lt"/>
+                <a:ea typeface="+mn-ea"/>
+                <a:cs typeface="+mn-cs"/>
+              </a:defRPr>
+            </a:lvl6pPr>
+            <a:lvl7pPr marL="2228850" indent="-171450" algn="l" defTabSz="685800" rtl="0" eaLnBrk="1" latinLnBrk="0" hangingPunct="1">
+              <a:lnSpc>
+                <a:spcPct val="90000"/>
+              </a:lnSpc>
+              <a:spcBef>
+                <a:spcPts val="375"/>
+              </a:spcBef>
+              <a:buFont typeface="Arial" panose="020B0604020202020204" pitchFamily="34" charset="0"/>
+              <a:buChar char="•"/>
+              <a:defRPr sz="1350" kern="1200">
+                <a:solidFill>
+                  <a:schemeClr val="tx1"/>
+                </a:solidFill>
+                <a:latin typeface="+mn-lt"/>
+                <a:ea typeface="+mn-ea"/>
+                <a:cs typeface="+mn-cs"/>
+              </a:defRPr>
+            </a:lvl7pPr>
+            <a:lvl8pPr marL="2571750" indent="-171450" algn="l" defTabSz="685800" rtl="0" eaLnBrk="1" latinLnBrk="0" hangingPunct="1">
+              <a:lnSpc>
+                <a:spcPct val="90000"/>
+              </a:lnSpc>
+              <a:spcBef>
+                <a:spcPts val="375"/>
+              </a:spcBef>
+              <a:buFont typeface="Arial" panose="020B0604020202020204" pitchFamily="34" charset="0"/>
+              <a:buChar char="•"/>
+              <a:defRPr sz="1350" kern="1200">
+                <a:solidFill>
+                  <a:schemeClr val="tx1"/>
+                </a:solidFill>
+                <a:latin typeface="+mn-lt"/>
+                <a:ea typeface="+mn-ea"/>
+                <a:cs typeface="+mn-cs"/>
+              </a:defRPr>
+            </a:lvl8pPr>
+            <a:lvl9pPr marL="2914650" indent="-171450" algn="l" defTabSz="685800" rtl="0" eaLnBrk="1" latinLnBrk="0" hangingPunct="1">
+              <a:lnSpc>
+                <a:spcPct val="90000"/>
+              </a:lnSpc>
+              <a:spcBef>
+                <a:spcPts val="375"/>
+              </a:spcBef>
+              <a:buFont typeface="Arial" panose="020B0604020202020204" pitchFamily="34" charset="0"/>
+              <a:buChar char="•"/>
+              <a:defRPr sz="1350" kern="1200">
+                <a:solidFill>
+                  <a:schemeClr val="tx1"/>
+                </a:solidFill>
+                <a:latin typeface="+mn-lt"/>
+                <a:ea typeface="+mn-ea"/>
+                <a:cs typeface="+mn-cs"/>
+              </a:defRPr>
+            </a:lvl9pPr>
+          </a:lstStyle>
+          <a:p>
+            <a:pPr marL="285750" indent="-285750">
+              <a:buFont typeface="Arial" panose="020B0604020202020204" pitchFamily="34" charset="0"/>
+              <a:buChar char="•"/>
+            </a:pPr>
+            <a:r>
+              <a:rPr lang="en-US" dirty="0"/>
+              <a:t>Need to resize the battery</a:t>
+            </a:r>
+          </a:p>
+          <a:p>
+            <a:pPr marL="285750" indent="-285750">
+              <a:buFont typeface="Arial" panose="020B0604020202020204" pitchFamily="34" charset="0"/>
+              <a:buChar char="•"/>
+            </a:pPr>
+            <a:r>
+              <a:rPr lang="en-US" dirty="0"/>
+              <a:t>Consider size constraints for PCB again</a:t>
+            </a:r>
+          </a:p>
+        </p:txBody>
+      </p:sp>
+    </p:spTree>
+    <p:extLst>
+      <p:ext uri="{BB962C8B-B14F-4D97-AF65-F5344CB8AC3E}">
+        <p14:creationId xmlns:p14="http://schemas.microsoft.com/office/powerpoint/2010/main" val="2599566826"/>
+      </p:ext>
+    </p:extLst>
+  </p:cSld>
+  <p:clrMapOvr>
+    <a:masterClrMapping/>
+  </p:clrMapOvr>
+</p:sld>
+</file>
+
+<file path=ppt/slides/slide12.xml><?xml version="1.0" encoding="utf-8"?>
+<p:sld xmlns:a="http://schemas.openxmlformats.org/drawingml/2006/main" xmlns:r="http://schemas.openxmlformats.org/officeDocument/2006/relationships" xmlns:p="http://schemas.openxmlformats.org/presentationml/2006/main">
+  <p:cSld>
+    <p:spTree>
+      <p:nvGrpSpPr>
+        <p:cNvPr id="1" name=""/>
+        <p:cNvGrpSpPr/>
+        <p:nvPr/>
+      </p:nvGrpSpPr>
+      <p:grpSpPr>
+        <a:xfrm>
+          <a:off x="0" y="0"/>
+          <a:ext cx="0" cy="0"/>
+          <a:chOff x="0" y="0"/>
+          <a:chExt cx="0" cy="0"/>
+        </a:xfrm>
+      </p:grpSpPr>
+      <p:sp>
+        <p:nvSpPr>
+          <p:cNvPr id="2" name="Text Placeholder 1">
+            <a:extLst>
+              <a:ext uri="{FF2B5EF4-FFF2-40B4-BE49-F238E27FC236}">
+                <a16:creationId xmlns:a16="http://schemas.microsoft.com/office/drawing/2014/main" id="{11B29CAD-3B43-3BC0-D2EC-A53874ABB884}"/>
+              </a:ext>
+            </a:extLst>
+          </p:cNvPr>
+          <p:cNvSpPr>
+            <a:spLocks noGrp="1"/>
+          </p:cNvSpPr>
+          <p:nvPr>
+            <p:ph type="body" sz="quarter" idx="11"/>
+          </p:nvPr>
+        </p:nvSpPr>
+        <p:spPr/>
+        <p:txBody>
+          <a:bodyPr/>
+          <a:lstStyle/>
+          <a:p>
+            <a:r>
+              <a:rPr lang="en-US" dirty="0"/>
+              <a:t>Blockers &amp; Next Week’s Work</a:t>
+            </a:r>
+          </a:p>
+        </p:txBody>
+      </p:sp>
+      <p:sp>
+        <p:nvSpPr>
+          <p:cNvPr id="3" name="Text Placeholder 2">
+            <a:extLst>
+              <a:ext uri="{FF2B5EF4-FFF2-40B4-BE49-F238E27FC236}">
+                <a16:creationId xmlns:a16="http://schemas.microsoft.com/office/drawing/2014/main" id="{A9F87380-04A3-DD16-EAB3-0921830BDF50}"/>
+              </a:ext>
+            </a:extLst>
+          </p:cNvPr>
+          <p:cNvSpPr>
+            <a:spLocks noGrp="1"/>
+          </p:cNvSpPr>
+          <p:nvPr>
+            <p:ph type="body" sz="quarter" idx="10"/>
+          </p:nvPr>
+        </p:nvSpPr>
+        <p:spPr/>
+        <p:txBody>
+          <a:bodyPr/>
+          <a:lstStyle/>
+          <a:p>
+            <a:pPr marL="285750" indent="-285750">
+              <a:buFont typeface="Arial" panose="020B0604020202020204" pitchFamily="34" charset="0"/>
+              <a:buChar char="•"/>
+            </a:pPr>
+            <a:r>
+              <a:rPr lang="en-US" dirty="0"/>
+              <a:t>Analyze what can be done with Hardware issues</a:t>
+            </a:r>
+          </a:p>
+          <a:p>
+            <a:pPr marL="285750" indent="-285750">
+              <a:buFont typeface="Arial" panose="020B0604020202020204" pitchFamily="34" charset="0"/>
+              <a:buChar char="•"/>
+            </a:pPr>
+            <a:r>
+              <a:rPr lang="en-US" dirty="0"/>
+              <a:t>Refine Rev. 2 of PCB</a:t>
+            </a:r>
+          </a:p>
+          <a:p>
+            <a:pPr marL="285750" indent="-285750">
+              <a:buFont typeface="Arial" panose="020B0604020202020204" pitchFamily="34" charset="0"/>
+              <a:buChar char="•"/>
+            </a:pPr>
+            <a:r>
+              <a:rPr lang="en-US" dirty="0"/>
+              <a:t>Send Sensors + Quotes of Sensors to Charles</a:t>
+            </a:r>
+          </a:p>
+          <a:p>
+            <a:pPr marL="285750" indent="-285750">
+              <a:buFont typeface="Arial" panose="020B0604020202020204" pitchFamily="34" charset="0"/>
+              <a:buChar char="•"/>
+            </a:pPr>
+            <a:endParaRPr lang="en-US" dirty="0"/>
+          </a:p>
+          <a:p>
+            <a:r>
+              <a:rPr lang="en-US" dirty="0"/>
+              <a:t>Blockers:</a:t>
+            </a:r>
+          </a:p>
+          <a:p>
+            <a:pPr marL="285750" indent="-285750">
+              <a:buFont typeface="Arial" panose="020B0604020202020204" pitchFamily="34" charset="0"/>
+              <a:buChar char="•"/>
+            </a:pPr>
+            <a:r>
+              <a:rPr lang="en-US" dirty="0"/>
+              <a:t>Hardware restrictions given by Agriculture departments</a:t>
+            </a:r>
+          </a:p>
+          <a:p>
+            <a:pPr marL="628650" lvl="1" indent="-285750">
+              <a:buFont typeface="Arial" panose="020B0604020202020204" pitchFamily="34" charset="0"/>
+              <a:buChar char="•"/>
+            </a:pPr>
+            <a:r>
+              <a:rPr lang="en-US" dirty="0"/>
+              <a:t>Could a computer be used instead? It would simplify a lot</a:t>
+            </a:r>
+          </a:p>
+          <a:p>
+            <a:pPr marL="628650" lvl="1" indent="-285750">
+              <a:buFont typeface="Arial" panose="020B0604020202020204" pitchFamily="34" charset="0"/>
+              <a:buChar char="•"/>
+            </a:pPr>
+            <a:r>
+              <a:rPr lang="en-US" dirty="0"/>
+              <a:t>What other hardware can be purchased and used at the farm?</a:t>
+            </a:r>
+          </a:p>
+        </p:txBody>
+      </p:sp>
+      <p:sp>
+        <p:nvSpPr>
+          <p:cNvPr id="4" name="Title 3">
+            <a:extLst>
+              <a:ext uri="{FF2B5EF4-FFF2-40B4-BE49-F238E27FC236}">
+                <a16:creationId xmlns:a16="http://schemas.microsoft.com/office/drawing/2014/main" id="{47D02411-52BC-0A6C-B958-234593BB194F}"/>
+              </a:ext>
+            </a:extLst>
+          </p:cNvPr>
+          <p:cNvSpPr>
+            <a:spLocks noGrp="1"/>
+          </p:cNvSpPr>
+          <p:nvPr>
+            <p:ph type="title"/>
+          </p:nvPr>
+        </p:nvSpPr>
+        <p:spPr/>
+        <p:txBody>
+          <a:bodyPr/>
+          <a:lstStyle/>
+          <a:p>
+            <a:r>
+              <a:rPr lang="en-US" dirty="0"/>
+              <a:t>Next Week</a:t>
+            </a:r>
+          </a:p>
+        </p:txBody>
+      </p:sp>
+      <p:sp>
+        <p:nvSpPr>
+          <p:cNvPr id="5" name="Footer Placeholder 4">
+            <a:extLst>
+              <a:ext uri="{FF2B5EF4-FFF2-40B4-BE49-F238E27FC236}">
+                <a16:creationId xmlns:a16="http://schemas.microsoft.com/office/drawing/2014/main" id="{51BAB307-58AA-C3F2-0BBB-500351B01F7A}"/>
+              </a:ext>
+            </a:extLst>
+          </p:cNvPr>
+          <p:cNvSpPr>
+            <a:spLocks noGrp="1"/>
+          </p:cNvSpPr>
+          <p:nvPr>
+            <p:ph type="ftr" sz="quarter" idx="12"/>
+          </p:nvPr>
+        </p:nvSpPr>
+        <p:spPr/>
+        <p:txBody>
+          <a:bodyPr/>
+          <a:lstStyle/>
+          <a:p>
+            <a:pPr algn="r"/>
+            <a:r>
+              <a:rPr lang="en-US" dirty="0"/>
+              <a:t>6/7</a:t>
+            </a:r>
+          </a:p>
+        </p:txBody>
+      </p:sp>
+    </p:spTree>
+    <p:extLst>
+      <p:ext uri="{BB962C8B-B14F-4D97-AF65-F5344CB8AC3E}">
+        <p14:creationId xmlns:p14="http://schemas.microsoft.com/office/powerpoint/2010/main" val="257444251"/>
+      </p:ext>
+    </p:extLst>
+  </p:cSld>
+  <p:clrMapOvr>
+    <a:masterClrMapping/>
+  </p:clrMapOvr>
+</p:sld>
+</file>
+
+<file path=ppt/slides/slide13.xml><?xml version="1.0" encoding="utf-8"?>
+<p:sld xmlns:a="http://schemas.openxmlformats.org/drawingml/2006/main" xmlns:r="http://schemas.openxmlformats.org/officeDocument/2006/relationships" xmlns:p="http://schemas.openxmlformats.org/presentationml/2006/main">
+  <p:cSld>
+    <p:spTree>
+      <p:nvGrpSpPr>
+        <p:cNvPr id="1" name=""/>
+        <p:cNvGrpSpPr/>
+        <p:nvPr/>
+      </p:nvGrpSpPr>
+      <p:grpSpPr>
+        <a:xfrm>
+          <a:off x="0" y="0"/>
+          <a:ext cx="0" cy="0"/>
+          <a:chOff x="0" y="0"/>
+          <a:chExt cx="0" cy="0"/>
+        </a:xfrm>
+      </p:grpSpPr>
+      <p:sp>
+        <p:nvSpPr>
+          <p:cNvPr id="2" name="Title 1">
+            <a:extLst>
+              <a:ext uri="{FF2B5EF4-FFF2-40B4-BE49-F238E27FC236}">
+                <a16:creationId xmlns:a16="http://schemas.microsoft.com/office/drawing/2014/main" id="{E4E72CBA-026F-7E96-546F-23B8813A83DA}"/>
+              </a:ext>
+            </a:extLst>
+          </p:cNvPr>
+          <p:cNvSpPr>
+            <a:spLocks noGrp="1"/>
+          </p:cNvSpPr>
+          <p:nvPr>
+            <p:ph type="title"/>
+          </p:nvPr>
+        </p:nvSpPr>
+        <p:spPr/>
+        <p:txBody>
+          <a:bodyPr/>
+          <a:lstStyle/>
+          <a:p>
+            <a:r>
+              <a:rPr lang="en-US" dirty="0"/>
+              <a:t>Thank You</a:t>
+            </a:r>
+          </a:p>
+        </p:txBody>
+      </p:sp>
+      <p:sp>
+        <p:nvSpPr>
+          <p:cNvPr id="3" name="Text Placeholder 2">
+            <a:extLst>
+              <a:ext uri="{FF2B5EF4-FFF2-40B4-BE49-F238E27FC236}">
+                <a16:creationId xmlns:a16="http://schemas.microsoft.com/office/drawing/2014/main" id="{CE8FBDCD-BC38-D4A8-A210-EA02F2610057}"/>
+              </a:ext>
+            </a:extLst>
+          </p:cNvPr>
+          <p:cNvSpPr>
+            <a:spLocks noGrp="1"/>
+          </p:cNvSpPr>
+          <p:nvPr>
+            <p:ph type="body" sz="quarter" idx="10"/>
+          </p:nvPr>
+        </p:nvSpPr>
+        <p:spPr/>
+        <p:txBody>
+          <a:bodyPr>
+            <a:normAutofit/>
+          </a:bodyPr>
+          <a:lstStyle/>
+          <a:p>
+            <a:r>
+              <a:rPr lang="en-US" dirty="0"/>
+              <a:t>Purdue Polytechnic Institute</a:t>
+            </a:r>
+          </a:p>
+        </p:txBody>
+      </p:sp>
+    </p:spTree>
+    <p:extLst>
+      <p:ext uri="{BB962C8B-B14F-4D97-AF65-F5344CB8AC3E}">
+        <p14:creationId xmlns:p14="http://schemas.microsoft.com/office/powerpoint/2010/main" val="3555266232"/>
       </p:ext>
     </p:extLst>
   </p:cSld>
@@ -15108,7 +16106,7 @@
         <p:cNvPr id="1" name="">
           <a:extLst>
             <a:ext uri="{FF2B5EF4-FFF2-40B4-BE49-F238E27FC236}">
-              <a16:creationId xmlns:a16="http://schemas.microsoft.com/office/drawing/2014/main" id="{959946EF-B31F-ED11-7273-10C01E654B85}"/>
+              <a16:creationId xmlns:a16="http://schemas.microsoft.com/office/drawing/2014/main" id="{B008AD1A-2E4D-47F6-E456-4B00492AFB73}"/>
             </a:ext>
           </a:extLst>
         </p:cNvPr>
@@ -15125,10 +16123,38 @@
       </p:grpSpPr>
       <p:sp>
         <p:nvSpPr>
+          <p:cNvPr id="2" name="Text Placeholder 1">
+            <a:extLst>
+              <a:ext uri="{FF2B5EF4-FFF2-40B4-BE49-F238E27FC236}">
+                <a16:creationId xmlns:a16="http://schemas.microsoft.com/office/drawing/2014/main" id="{46247E1D-1951-869C-7B96-2C52A6130B56}"/>
+              </a:ext>
+            </a:extLst>
+          </p:cNvPr>
+          <p:cNvSpPr>
+            <a:spLocks noGrp="1"/>
+          </p:cNvSpPr>
+          <p:nvPr>
+            <p:ph type="body" sz="quarter" idx="11"/>
+          </p:nvPr>
+        </p:nvSpPr>
+        <p:spPr/>
+        <p:txBody>
+          <a:bodyPr/>
+          <a:lstStyle/>
+          <a:p>
+            <a:r>
+              <a:rPr lang="en-US" dirty="0"/>
+              <a:t>Final Sensor Selections (Force + Strain)</a:t>
+            </a:r>
+          </a:p>
+        </p:txBody>
+      </p:sp>
+      <p:sp>
+        <p:nvSpPr>
           <p:cNvPr id="4" name="Title 3">
             <a:extLst>
               <a:ext uri="{FF2B5EF4-FFF2-40B4-BE49-F238E27FC236}">
-                <a16:creationId xmlns:a16="http://schemas.microsoft.com/office/drawing/2014/main" id="{A5CC5C2E-31DD-B39F-37F4-AE2FD8F7E084}"/>
+                <a16:creationId xmlns:a16="http://schemas.microsoft.com/office/drawing/2014/main" id="{7E20DE0E-BBB7-5402-C4DA-CCC178F33642}"/>
               </a:ext>
             </a:extLst>
           </p:cNvPr>
@@ -15139,352 +16165,67 @@
             <p:ph type="title"/>
           </p:nvPr>
         </p:nvSpPr>
-        <p:spPr>
-          <a:xfrm>
-            <a:off x="351064" y="385004"/>
-            <a:ext cx="8450036" cy="589032"/>
-          </a:xfrm>
-        </p:spPr>
-        <p:txBody>
-          <a:bodyPr anchor="ctr">
-            <a:normAutofit/>
-          </a:bodyPr>
+        <p:spPr/>
+        <p:txBody>
+          <a:bodyPr/>
           <a:lstStyle/>
           <a:p>
             <a:r>
               <a:rPr lang="en-US" dirty="0"/>
-              <a:t>Rev. 3 PCB Started</a:t>
-            </a:r>
-          </a:p>
-        </p:txBody>
-      </p:sp>
-      <p:pic>
-        <p:nvPicPr>
-          <p:cNvPr id="6" name="Content Placeholder 5" descr="A green circuit board with white and black components&#10;&#10;AI-generated content may be incorrect.">
-            <a:extLst>
-              <a:ext uri="{FF2B5EF4-FFF2-40B4-BE49-F238E27FC236}">
-                <a16:creationId xmlns:a16="http://schemas.microsoft.com/office/drawing/2014/main" id="{0EF9F5B1-926D-3245-B765-7F285EB7A529}"/>
-              </a:ext>
-            </a:extLst>
-          </p:cNvPr>
-          <p:cNvPicPr>
-            <a:picLocks noGrp="1" noChangeAspect="1"/>
-          </p:cNvPicPr>
-          <p:nvPr>
-            <p:ph idx="12"/>
-          </p:nvPr>
-        </p:nvPicPr>
-        <p:blipFill>
-          <a:blip r:embed="rId2"/>
-          <a:srcRect l="5034" r="5034" b="-2"/>
-          <a:stretch>
-            <a:fillRect/>
-          </a:stretch>
-        </p:blipFill>
-        <p:spPr>
-          <a:xfrm>
-            <a:off x="901247" y="2351171"/>
-            <a:ext cx="3509695" cy="3795373"/>
-          </a:xfrm>
-          <a:noFill/>
-        </p:spPr>
-      </p:pic>
-      <p:pic>
-        <p:nvPicPr>
-          <p:cNvPr id="9" name="Picture 8" descr="A green circuit board with white lines and yellow dots&#10;&#10;AI-generated content may be incorrect.">
-            <a:extLst>
-              <a:ext uri="{FF2B5EF4-FFF2-40B4-BE49-F238E27FC236}">
-                <a16:creationId xmlns:a16="http://schemas.microsoft.com/office/drawing/2014/main" id="{CE587B13-2A52-8024-BB03-F9D8BB97F795}"/>
-              </a:ext>
-            </a:extLst>
-          </p:cNvPr>
-          <p:cNvPicPr>
-            <a:picLocks noChangeAspect="1"/>
-          </p:cNvPicPr>
-          <p:nvPr/>
-        </p:nvPicPr>
-        <p:blipFill>
-          <a:blip r:embed="rId3"/>
-          <a:srcRect t="16230" r="-1" b="14179"/>
-          <a:stretch>
-            <a:fillRect/>
-          </a:stretch>
-        </p:blipFill>
-        <p:spPr>
-          <a:xfrm>
-            <a:off x="5291404" y="2351171"/>
-            <a:ext cx="3509695" cy="3786648"/>
-          </a:xfrm>
-          <a:prstGeom prst="rect">
-            <a:avLst/>
-          </a:prstGeom>
-          <a:noFill/>
-        </p:spPr>
-      </p:pic>
-      <p:sp>
-        <p:nvSpPr>
-          <p:cNvPr id="2" name="Text Placeholder 1">
-            <a:extLst>
-              <a:ext uri="{FF2B5EF4-FFF2-40B4-BE49-F238E27FC236}">
-                <a16:creationId xmlns:a16="http://schemas.microsoft.com/office/drawing/2014/main" id="{D73D6F0C-DD2A-39B7-89C0-FECD598E9FCA}"/>
-              </a:ext>
-            </a:extLst>
-          </p:cNvPr>
-          <p:cNvSpPr>
-            <a:spLocks noGrp="1"/>
-          </p:cNvSpPr>
-          <p:nvPr>
-            <p:ph type="body" sz="quarter" idx="11"/>
-          </p:nvPr>
-        </p:nvSpPr>
-        <p:spPr>
-          <a:xfrm>
-            <a:off x="342900" y="954291"/>
-            <a:ext cx="8458200" cy="365760"/>
-          </a:xfrm>
-        </p:spPr>
-        <p:txBody>
-          <a:bodyPr>
-            <a:normAutofit lnSpcReduction="10000"/>
-          </a:bodyPr>
+              <a:t>Case Study on Resistive vs. Capacitive Sensors</a:t>
+            </a:r>
+          </a:p>
+        </p:txBody>
+      </p:sp>
+      <p:sp>
+        <p:nvSpPr>
+          <p:cNvPr id="5" name="Footer Placeholder 4">
+            <a:extLst>
+              <a:ext uri="{FF2B5EF4-FFF2-40B4-BE49-F238E27FC236}">
+                <a16:creationId xmlns:a16="http://schemas.microsoft.com/office/drawing/2014/main" id="{036F25A5-6814-AC7A-E164-4B0F668E244A}"/>
+              </a:ext>
+            </a:extLst>
+          </p:cNvPr>
+          <p:cNvSpPr>
+            <a:spLocks noGrp="1"/>
+          </p:cNvSpPr>
+          <p:nvPr>
+            <p:ph type="ftr" sz="quarter" idx="12"/>
+          </p:nvPr>
+        </p:nvSpPr>
+        <p:spPr/>
+        <p:txBody>
+          <a:bodyPr/>
           <a:lstStyle/>
           <a:p>
-            <a:r>
-              <a:rPr lang="en-US" dirty="0"/>
-              <a:t>Component Placement on Board</a:t>
-            </a:r>
-          </a:p>
-        </p:txBody>
-      </p:sp>
-      <p:sp>
-        <p:nvSpPr>
-          <p:cNvPr id="5" name="Footer Placeholder 4">
-            <a:extLst>
-              <a:ext uri="{FF2B5EF4-FFF2-40B4-BE49-F238E27FC236}">
-                <a16:creationId xmlns:a16="http://schemas.microsoft.com/office/drawing/2014/main" id="{DE682037-7537-0439-3E01-B65E42678B37}"/>
-              </a:ext>
-            </a:extLst>
-          </p:cNvPr>
-          <p:cNvSpPr>
-            <a:spLocks noGrp="1"/>
-          </p:cNvSpPr>
-          <p:nvPr>
-            <p:ph type="ftr" sz="quarter" idx="14"/>
-          </p:nvPr>
-        </p:nvSpPr>
-        <p:spPr>
-          <a:xfrm>
-            <a:off x="7461174" y="6295058"/>
-            <a:ext cx="1339925" cy="323970"/>
-          </a:xfrm>
-        </p:spPr>
-        <p:txBody>
-          <a:bodyPr anchor="ctr">
-            <a:normAutofit/>
-          </a:bodyPr>
+            <a:pPr algn="r"/>
+            <a:r>
+              <a:rPr lang="en-US" dirty="0"/>
+              <a:t>3/7</a:t>
+            </a:r>
+          </a:p>
+        </p:txBody>
+      </p:sp>
+      <p:sp>
+        <p:nvSpPr>
+          <p:cNvPr id="8" name="Text Placeholder 7">
+            <a:extLst>
+              <a:ext uri="{FF2B5EF4-FFF2-40B4-BE49-F238E27FC236}">
+                <a16:creationId xmlns:a16="http://schemas.microsoft.com/office/drawing/2014/main" id="{C3AC2D78-E525-5EA4-CA04-68BC91124D4C}"/>
+              </a:ext>
+            </a:extLst>
+          </p:cNvPr>
+          <p:cNvSpPr>
+            <a:spLocks noGrp="1"/>
+          </p:cNvSpPr>
+          <p:nvPr>
+            <p:ph type="body" sz="quarter" idx="10"/>
+          </p:nvPr>
+        </p:nvSpPr>
+        <p:spPr/>
+        <p:txBody>
+          <a:bodyPr/>
           <a:lstStyle/>
-          <a:p>
-            <a:pPr algn="r">
-              <a:spcAft>
-                <a:spcPts val="600"/>
-              </a:spcAft>
-            </a:pPr>
-            <a:r>
-              <a:rPr lang="en-US"/>
-              <a:t>3/7</a:t>
-            </a:r>
-          </a:p>
-        </p:txBody>
-      </p:sp>
-      <p:sp>
-        <p:nvSpPr>
-          <p:cNvPr id="10" name="Text Placeholder 2">
-            <a:extLst>
-              <a:ext uri="{FF2B5EF4-FFF2-40B4-BE49-F238E27FC236}">
-                <a16:creationId xmlns:a16="http://schemas.microsoft.com/office/drawing/2014/main" id="{A0BBC3D0-CD35-9E1E-03DB-2240D3BB05B6}"/>
-              </a:ext>
-            </a:extLst>
-          </p:cNvPr>
-          <p:cNvSpPr txBox="1">
-            <a:spLocks/>
-          </p:cNvSpPr>
-          <p:nvPr/>
-        </p:nvSpPr>
-        <p:spPr>
-          <a:xfrm>
-            <a:off x="342900" y="1543324"/>
-            <a:ext cx="8450035" cy="4454706"/>
-          </a:xfrm>
-          <a:prstGeom prst="rect">
-            <a:avLst/>
-          </a:prstGeom>
-        </p:spPr>
-        <p:txBody>
-          <a:bodyPr/>
-          <a:lstStyle>
-            <a:lvl1pPr marL="171450" indent="-171450" algn="l" defTabSz="685800" rtl="0" eaLnBrk="1" latinLnBrk="0" hangingPunct="1">
-              <a:lnSpc>
-                <a:spcPct val="90000"/>
-              </a:lnSpc>
-              <a:spcBef>
-                <a:spcPts val="750"/>
-              </a:spcBef>
-              <a:buFont typeface="Wingdings" pitchFamily="2" charset="2"/>
-              <a:buChar char="§"/>
-              <a:defRPr sz="1800" b="0" i="0" kern="1200" baseline="0">
-                <a:solidFill>
-                  <a:schemeClr val="tx1"/>
-                </a:solidFill>
-                <a:latin typeface="+mn-lt"/>
-                <a:ea typeface="+mn-ea"/>
-                <a:cs typeface="+mn-cs"/>
-              </a:defRPr>
-            </a:lvl1pPr>
-            <a:lvl2pPr marL="514350" indent="-171450" algn="l" defTabSz="685800" rtl="0" eaLnBrk="1" latinLnBrk="0" hangingPunct="1">
-              <a:lnSpc>
-                <a:spcPct val="90000"/>
-              </a:lnSpc>
-              <a:spcBef>
-                <a:spcPts val="375"/>
-              </a:spcBef>
-              <a:buFont typeface="Wingdings" pitchFamily="2" charset="2"/>
-              <a:buChar char="§"/>
-              <a:defRPr sz="1700" b="0" i="0" kern="1200" baseline="0">
-                <a:solidFill>
-                  <a:schemeClr val="tx1"/>
-                </a:solidFill>
-                <a:latin typeface="+mn-lt"/>
-                <a:ea typeface="+mn-ea"/>
-                <a:cs typeface="+mn-cs"/>
-              </a:defRPr>
-            </a:lvl2pPr>
-            <a:lvl3pPr marL="857250" indent="-171450" algn="l" defTabSz="685800" rtl="0" eaLnBrk="1" latinLnBrk="0" hangingPunct="1">
-              <a:lnSpc>
-                <a:spcPct val="90000"/>
-              </a:lnSpc>
-              <a:spcBef>
-                <a:spcPts val="375"/>
-              </a:spcBef>
-              <a:buFont typeface="Wingdings" pitchFamily="2" charset="2"/>
-              <a:buChar char="§"/>
-              <a:defRPr sz="1600" b="0" i="0" kern="1200" baseline="0">
-                <a:solidFill>
-                  <a:schemeClr val="tx1"/>
-                </a:solidFill>
-                <a:latin typeface="+mn-lt"/>
-                <a:ea typeface="+mn-ea"/>
-                <a:cs typeface="+mn-cs"/>
-              </a:defRPr>
-            </a:lvl3pPr>
-            <a:lvl4pPr marL="1200150" indent="-171450" algn="l" defTabSz="685800" rtl="0" eaLnBrk="1" latinLnBrk="0" hangingPunct="1">
-              <a:lnSpc>
-                <a:spcPct val="90000"/>
-              </a:lnSpc>
-              <a:spcBef>
-                <a:spcPts val="375"/>
-              </a:spcBef>
-              <a:buFont typeface="Wingdings" pitchFamily="2" charset="2"/>
-              <a:buChar char="§"/>
-              <a:defRPr sz="1200" b="0" i="0" kern="1200" baseline="0">
-                <a:solidFill>
-                  <a:schemeClr val="tx1"/>
-                </a:solidFill>
-                <a:latin typeface="+mn-lt"/>
-                <a:ea typeface="+mn-ea"/>
-                <a:cs typeface="+mn-cs"/>
-              </a:defRPr>
-            </a:lvl4pPr>
-            <a:lvl5pPr marL="1371600" indent="0" algn="l" defTabSz="685800" rtl="0" eaLnBrk="1" latinLnBrk="0" hangingPunct="1">
-              <a:lnSpc>
-                <a:spcPct val="90000"/>
-              </a:lnSpc>
-              <a:spcBef>
-                <a:spcPts val="375"/>
-              </a:spcBef>
-              <a:buFont typeface="Wingdings" pitchFamily="2" charset="2"/>
-              <a:buNone/>
-              <a:defRPr sz="1050" b="0" i="0" kern="1200" baseline="0">
-                <a:solidFill>
-                  <a:schemeClr val="tx1"/>
-                </a:solidFill>
-                <a:latin typeface="+mn-lt"/>
-                <a:ea typeface="+mn-ea"/>
-                <a:cs typeface="+mn-cs"/>
-              </a:defRPr>
-            </a:lvl5pPr>
-            <a:lvl6pPr marL="1885950" indent="-171450" algn="l" defTabSz="685800" rtl="0" eaLnBrk="1" latinLnBrk="0" hangingPunct="1">
-              <a:lnSpc>
-                <a:spcPct val="90000"/>
-              </a:lnSpc>
-              <a:spcBef>
-                <a:spcPts val="375"/>
-              </a:spcBef>
-              <a:buFont typeface="Arial" panose="020B0604020202020204" pitchFamily="34" charset="0"/>
-              <a:buChar char="•"/>
-              <a:defRPr sz="1350" kern="1200">
-                <a:solidFill>
-                  <a:schemeClr val="tx1"/>
-                </a:solidFill>
-                <a:latin typeface="+mn-lt"/>
-                <a:ea typeface="+mn-ea"/>
-                <a:cs typeface="+mn-cs"/>
-              </a:defRPr>
-            </a:lvl6pPr>
-            <a:lvl7pPr marL="2228850" indent="-171450" algn="l" defTabSz="685800" rtl="0" eaLnBrk="1" latinLnBrk="0" hangingPunct="1">
-              <a:lnSpc>
-                <a:spcPct val="90000"/>
-              </a:lnSpc>
-              <a:spcBef>
-                <a:spcPts val="375"/>
-              </a:spcBef>
-              <a:buFont typeface="Arial" panose="020B0604020202020204" pitchFamily="34" charset="0"/>
-              <a:buChar char="•"/>
-              <a:defRPr sz="1350" kern="1200">
-                <a:solidFill>
-                  <a:schemeClr val="tx1"/>
-                </a:solidFill>
-                <a:latin typeface="+mn-lt"/>
-                <a:ea typeface="+mn-ea"/>
-                <a:cs typeface="+mn-cs"/>
-              </a:defRPr>
-            </a:lvl7pPr>
-            <a:lvl8pPr marL="2571750" indent="-171450" algn="l" defTabSz="685800" rtl="0" eaLnBrk="1" latinLnBrk="0" hangingPunct="1">
-              <a:lnSpc>
-                <a:spcPct val="90000"/>
-              </a:lnSpc>
-              <a:spcBef>
-                <a:spcPts val="375"/>
-              </a:spcBef>
-              <a:buFont typeface="Arial" panose="020B0604020202020204" pitchFamily="34" charset="0"/>
-              <a:buChar char="•"/>
-              <a:defRPr sz="1350" kern="1200">
-                <a:solidFill>
-                  <a:schemeClr val="tx1"/>
-                </a:solidFill>
-                <a:latin typeface="+mn-lt"/>
-                <a:ea typeface="+mn-ea"/>
-                <a:cs typeface="+mn-cs"/>
-              </a:defRPr>
-            </a:lvl8pPr>
-            <a:lvl9pPr marL="2914650" indent="-171450" algn="l" defTabSz="685800" rtl="0" eaLnBrk="1" latinLnBrk="0" hangingPunct="1">
-              <a:lnSpc>
-                <a:spcPct val="90000"/>
-              </a:lnSpc>
-              <a:spcBef>
-                <a:spcPts val="375"/>
-              </a:spcBef>
-              <a:buFont typeface="Arial" panose="020B0604020202020204" pitchFamily="34" charset="0"/>
-              <a:buChar char="•"/>
-              <a:defRPr sz="1350" kern="1200">
-                <a:solidFill>
-                  <a:schemeClr val="tx1"/>
-                </a:solidFill>
-                <a:latin typeface="+mn-lt"/>
-                <a:ea typeface="+mn-ea"/>
-                <a:cs typeface="+mn-cs"/>
-              </a:defRPr>
-            </a:lvl9pPr>
-          </a:lstStyle>
           <a:p>
             <a:pPr marL="285750" indent="-285750">
               <a:buFont typeface="Arial" panose="020B0604020202020204" pitchFamily="34" charset="0"/>
@@ -15492,25 +16233,98 @@
             </a:pPr>
             <a:r>
               <a:rPr lang="en-US" dirty="0"/>
-              <a:t>Need to resize the battery</a:t>
-            </a:r>
-          </a:p>
-          <a:p>
-            <a:pPr marL="285750" indent="-285750">
+              <a:t>Force Sensor (Capacitive Sensor + Charge Amplifier)</a:t>
+            </a:r>
+          </a:p>
+          <a:p>
+            <a:pPr marL="628650" lvl="1" indent="-285750">
               <a:buFont typeface="Arial" panose="020B0604020202020204" pitchFamily="34" charset="0"/>
               <a:buChar char="•"/>
             </a:pPr>
             <a:r>
               <a:rPr lang="en-US" dirty="0"/>
-              <a:t>Consider size constraints for PCB again</a:t>
-            </a:r>
+              <a:t>Force Sensor: </a:t>
+            </a:r>
+            <a:r>
+              <a:rPr lang="en-US" b="1" dirty="0" err="1"/>
+              <a:t>SingleTact</a:t>
+            </a:r>
+            <a:r>
+              <a:rPr lang="en-US" b="1" dirty="0"/>
+              <a:t> Force Sensor </a:t>
+            </a:r>
+          </a:p>
+          <a:p>
+            <a:pPr marL="628650" lvl="1" indent="-285750">
+              <a:buFont typeface="Arial" panose="020B0604020202020204" pitchFamily="34" charset="0"/>
+              <a:buChar char="•"/>
+            </a:pPr>
+            <a:r>
+              <a:rPr lang="en-US" dirty="0"/>
+              <a:t>(</a:t>
+            </a:r>
+            <a:r>
+              <a:rPr lang="en-US" dirty="0">
+                <a:hlinkClick r:id="rId2"/>
+              </a:rPr>
+              <a:t>https://5361756.fs1.hubspotusercontent-na1.net/hubfs/5361756/SingleTact%20Documents/SingleTact_Datasheet.pdf</a:t>
+            </a:r>
+            <a:r>
+              <a:rPr lang="en-US" dirty="0"/>
+              <a:t>?</a:t>
+            </a:r>
+          </a:p>
+          <a:p>
+            <a:pPr marL="628650" lvl="1" indent="-285750">
+              <a:buFont typeface="Arial" panose="020B0604020202020204" pitchFamily="34" charset="0"/>
+              <a:buChar char="•"/>
+            </a:pPr>
+            <a:r>
+              <a:rPr lang="en-US" dirty="0"/>
+              <a:t>Charge Amplifier: </a:t>
+            </a:r>
+            <a:r>
+              <a:rPr lang="en-US" b="1" dirty="0"/>
+              <a:t>AD7150</a:t>
+            </a:r>
+          </a:p>
+          <a:p>
+            <a:pPr marL="628650" lvl="1" indent="-285750">
+              <a:buFont typeface="Arial" panose="020B0604020202020204" pitchFamily="34" charset="0"/>
+              <a:buChar char="•"/>
+            </a:pPr>
+            <a:r>
+              <a:rPr lang="en-US" dirty="0"/>
+              <a:t>https://</a:t>
+            </a:r>
+            <a:r>
+              <a:rPr lang="en-US" dirty="0" err="1"/>
+              <a:t>www.analog.com</a:t>
+            </a:r>
+            <a:r>
+              <a:rPr lang="en-US" dirty="0"/>
+              <a:t>/</a:t>
+            </a:r>
+            <a:r>
+              <a:rPr lang="en-US" dirty="0" err="1"/>
+              <a:t>en</a:t>
+            </a:r>
+            <a:r>
+              <a:rPr lang="en-US" dirty="0"/>
+              <a:t>/products/ad7150.html?utm_source=</a:t>
+            </a:r>
+            <a:r>
+              <a:rPr lang="en-US" dirty="0" err="1"/>
+              <a:t>chatgpt.com</a:t>
+            </a:r>
+            <a:endParaRPr lang="en-US" dirty="0"/>
           </a:p>
         </p:txBody>
       </p:sp>
     </p:spTree>
     <p:extLst>
       <p:ext uri="{BB962C8B-B14F-4D97-AF65-F5344CB8AC3E}">
-        <p14:creationId xmlns:p14="http://schemas.microsoft.com/office/powerpoint/2010/main" val="2599566826"/>
+        <p14:creationId xmlns:p14="http://schemas.microsoft.com/office/powerpoint/2010/main" val="3234221684"/>
       </p:ext>
     </p:extLst>
   </p:cSld>
@@ -15539,10 +16353,109 @@
       </p:grpSpPr>
       <p:sp>
         <p:nvSpPr>
+          <p:cNvPr id="4" name="Title 3">
+            <a:extLst>
+              <a:ext uri="{FF2B5EF4-FFF2-40B4-BE49-F238E27FC236}">
+                <a16:creationId xmlns:a16="http://schemas.microsoft.com/office/drawing/2014/main" id="{1B932EAA-BC6E-B2F6-3A55-F7F4546C313F}"/>
+              </a:ext>
+            </a:extLst>
+          </p:cNvPr>
+          <p:cNvSpPr>
+            <a:spLocks noGrp="1"/>
+          </p:cNvSpPr>
+          <p:nvPr>
+            <p:ph type="title"/>
+          </p:nvPr>
+        </p:nvSpPr>
+        <p:spPr>
+          <a:xfrm>
+            <a:off x="351064" y="385004"/>
+            <a:ext cx="8450036" cy="589032"/>
+          </a:xfrm>
+        </p:spPr>
+        <p:txBody>
+          <a:bodyPr anchor="ctr">
+            <a:normAutofit/>
+          </a:bodyPr>
+          <a:lstStyle/>
+          <a:p>
+            <a:r>
+              <a:rPr lang="en-US" sz="3300"/>
+              <a:t>Case Study on Resistive vs. Capacitive Sensors</a:t>
+            </a:r>
+          </a:p>
+        </p:txBody>
+      </p:sp>
+      <p:pic>
+        <p:nvPicPr>
+          <p:cNvPr id="6" name="Picture 5" descr="A diagram of a yellow object with a point and a point&#10;&#10;AI-generated content may be incorrect.">
+            <a:extLst>
+              <a:ext uri="{FF2B5EF4-FFF2-40B4-BE49-F238E27FC236}">
+                <a16:creationId xmlns:a16="http://schemas.microsoft.com/office/drawing/2014/main" id="{77282762-2E9F-2C4E-886B-1A7E9D814304}"/>
+              </a:ext>
+            </a:extLst>
+          </p:cNvPr>
+          <p:cNvPicPr>
+            <a:picLocks noChangeAspect="1"/>
+          </p:cNvPicPr>
+          <p:nvPr/>
+        </p:nvPicPr>
+        <p:blipFill>
+          <a:blip r:embed="rId2"/>
+          <a:srcRect l="8143" r="8403" b="3"/>
+          <a:stretch>
+            <a:fillRect/>
+          </a:stretch>
+        </p:blipFill>
+        <p:spPr>
+          <a:xfrm>
+            <a:off x="351065" y="1543324"/>
+            <a:ext cx="4059877" cy="4390338"/>
+          </a:xfrm>
+          <a:prstGeom prst="rect">
+            <a:avLst/>
+          </a:prstGeom>
+          <a:noFill/>
+        </p:spPr>
+      </p:pic>
+      <p:pic>
+        <p:nvPicPr>
+          <p:cNvPr id="7" name="Picture 6" descr="A diagram of a small microchip&#10;&#10;AI-generated content may be incorrect.">
+            <a:extLst>
+              <a:ext uri="{FF2B5EF4-FFF2-40B4-BE49-F238E27FC236}">
+                <a16:creationId xmlns:a16="http://schemas.microsoft.com/office/drawing/2014/main" id="{905F2776-228B-73B7-E1E0-01286C874236}"/>
+              </a:ext>
+            </a:extLst>
+          </p:cNvPr>
+          <p:cNvPicPr>
+            <a:picLocks noChangeAspect="1"/>
+          </p:cNvPicPr>
+          <p:nvPr/>
+        </p:nvPicPr>
+        <p:blipFill>
+          <a:blip r:embed="rId3"/>
+          <a:srcRect l="7151" r="14990" b="-4"/>
+          <a:stretch>
+            <a:fillRect/>
+          </a:stretch>
+        </p:blipFill>
+        <p:spPr>
+          <a:xfrm>
+            <a:off x="4731868" y="1543324"/>
+            <a:ext cx="4069232" cy="4390338"/>
+          </a:xfrm>
+          <a:prstGeom prst="rect">
+            <a:avLst/>
+          </a:prstGeom>
+          <a:noFill/>
+        </p:spPr>
+      </p:pic>
+      <p:sp>
+        <p:nvSpPr>
           <p:cNvPr id="2" name="Text Placeholder 1">
             <a:extLst>
               <a:ext uri="{FF2B5EF4-FFF2-40B4-BE49-F238E27FC236}">
-                <a16:creationId xmlns:a16="http://schemas.microsoft.com/office/drawing/2014/main" id="{11B29CAD-3B43-3BC0-D2EC-A53874ABB884}"/>
+                <a16:creationId xmlns:a16="http://schemas.microsoft.com/office/drawing/2014/main" id="{0C4D6162-0FB8-3F0B-8062-475E26329B9A}"/>
               </a:ext>
             </a:extLst>
           </p:cNvPr>
@@ -15553,166 +16466,131 @@
             <p:ph type="body" sz="quarter" idx="11"/>
           </p:nvPr>
         </p:nvSpPr>
-        <p:spPr/>
-        <p:txBody>
-          <a:bodyPr/>
+        <p:spPr>
+          <a:xfrm>
+            <a:off x="342900" y="954291"/>
+            <a:ext cx="8458200" cy="365760"/>
+          </a:xfrm>
+        </p:spPr>
+        <p:txBody>
+          <a:bodyPr>
+            <a:normAutofit lnSpcReduction="10000"/>
+          </a:bodyPr>
           <a:lstStyle/>
           <a:p>
             <a:r>
               <a:rPr lang="en-US" dirty="0"/>
-              <a:t>Blockers &amp; Next Week’s Work</a:t>
-            </a:r>
-          </a:p>
-        </p:txBody>
-      </p:sp>
-      <p:sp>
-        <p:nvSpPr>
-          <p:cNvPr id="3" name="Text Placeholder 2">
-            <a:extLst>
-              <a:ext uri="{FF2B5EF4-FFF2-40B4-BE49-F238E27FC236}">
-                <a16:creationId xmlns:a16="http://schemas.microsoft.com/office/drawing/2014/main" id="{A9F87380-04A3-DD16-EAB3-0921830BDF50}"/>
-              </a:ext>
-            </a:extLst>
-          </p:cNvPr>
-          <p:cNvSpPr>
-            <a:spLocks noGrp="1"/>
-          </p:cNvSpPr>
-          <p:nvPr>
-            <p:ph type="body" sz="quarter" idx="10"/>
-          </p:nvPr>
-        </p:nvSpPr>
-        <p:spPr/>
-        <p:txBody>
-          <a:bodyPr/>
+              <a:t>Relative Sizing of Force Sensor</a:t>
+            </a:r>
+          </a:p>
+        </p:txBody>
+      </p:sp>
+      <p:sp>
+        <p:nvSpPr>
+          <p:cNvPr id="5" name="Footer Placeholder 4">
+            <a:extLst>
+              <a:ext uri="{FF2B5EF4-FFF2-40B4-BE49-F238E27FC236}">
+                <a16:creationId xmlns:a16="http://schemas.microsoft.com/office/drawing/2014/main" id="{32DB1B52-7636-6472-A629-82084473AB72}"/>
+              </a:ext>
+            </a:extLst>
+          </p:cNvPr>
+          <p:cNvSpPr>
+            <a:spLocks noGrp="1"/>
+          </p:cNvSpPr>
+          <p:nvPr>
+            <p:ph type="ftr" sz="quarter" idx="14"/>
+          </p:nvPr>
+        </p:nvSpPr>
+        <p:spPr>
+          <a:xfrm>
+            <a:off x="7461174" y="6295058"/>
+            <a:ext cx="1339925" cy="323970"/>
+          </a:xfrm>
+        </p:spPr>
+        <p:txBody>
+          <a:bodyPr anchor="ctr">
+            <a:normAutofit/>
+          </a:bodyPr>
           <a:lstStyle/>
           <a:p>
-            <a:pPr marL="285750" indent="-285750">
-              <a:buFont typeface="Arial" panose="020B0604020202020204" pitchFamily="34" charset="0"/>
-              <a:buChar char="•"/>
+            <a:pPr algn="r">
+              <a:spcAft>
+                <a:spcPts val="600"/>
+              </a:spcAft>
             </a:pPr>
             <a:r>
-              <a:rPr lang="en-US" dirty="0"/>
-              <a:t>Analyze what can be done with Hardware issues</a:t>
-            </a:r>
-          </a:p>
-          <a:p>
-            <a:pPr marL="285750" indent="-285750">
-              <a:buFont typeface="Arial" panose="020B0604020202020204" pitchFamily="34" charset="0"/>
-              <a:buChar char="•"/>
-            </a:pPr>
-            <a:r>
-              <a:rPr lang="en-US" dirty="0"/>
-              <a:t>Refine Rev. 2 of PCB</a:t>
-            </a:r>
-          </a:p>
-          <a:p>
-            <a:pPr marL="285750" indent="-285750">
-              <a:buFont typeface="Arial" panose="020B0604020202020204" pitchFamily="34" charset="0"/>
-              <a:buChar char="•"/>
-            </a:pPr>
-            <a:r>
-              <a:rPr lang="en-US" dirty="0"/>
-              <a:t>Send Sensors + Quotes of Sensors to Charles</a:t>
-            </a:r>
-          </a:p>
-          <a:p>
-            <a:pPr marL="285750" indent="-285750">
-              <a:buFont typeface="Arial" panose="020B0604020202020204" pitchFamily="34" charset="0"/>
-              <a:buChar char="•"/>
-            </a:pPr>
-            <a:endParaRPr lang="en-US" dirty="0"/>
-          </a:p>
-          <a:p>
-            <a:r>
-              <a:rPr lang="en-US" dirty="0"/>
-              <a:t>Blockers:</a:t>
-            </a:r>
-          </a:p>
-          <a:p>
-            <a:pPr marL="285750" indent="-285750">
-              <a:buFont typeface="Arial" panose="020B0604020202020204" pitchFamily="34" charset="0"/>
-              <a:buChar char="•"/>
-            </a:pPr>
-            <a:r>
-              <a:rPr lang="en-US" dirty="0"/>
-              <a:t>Hardware restrictions given by Agriculture departments</a:t>
-            </a:r>
-          </a:p>
-          <a:p>
-            <a:pPr marL="628650" lvl="1" indent="-285750">
-              <a:buFont typeface="Arial" panose="020B0604020202020204" pitchFamily="34" charset="0"/>
-              <a:buChar char="•"/>
-            </a:pPr>
-            <a:r>
-              <a:rPr lang="en-US" dirty="0"/>
-              <a:t>Could a computer be used instead? It would simplify a lot</a:t>
-            </a:r>
-          </a:p>
-          <a:p>
-            <a:pPr marL="628650" lvl="1" indent="-285750">
-              <a:buFont typeface="Arial" panose="020B0604020202020204" pitchFamily="34" charset="0"/>
-              <a:buChar char="•"/>
-            </a:pPr>
-            <a:r>
-              <a:rPr lang="en-US" dirty="0"/>
-              <a:t>What other hardware can be purchased and used at the farm?</a:t>
-            </a:r>
-          </a:p>
-        </p:txBody>
-      </p:sp>
-      <p:sp>
-        <p:nvSpPr>
-          <p:cNvPr id="4" name="Title 3">
-            <a:extLst>
-              <a:ext uri="{FF2B5EF4-FFF2-40B4-BE49-F238E27FC236}">
-                <a16:creationId xmlns:a16="http://schemas.microsoft.com/office/drawing/2014/main" id="{47D02411-52BC-0A6C-B958-234593BB194F}"/>
-              </a:ext>
-            </a:extLst>
-          </p:cNvPr>
-          <p:cNvSpPr>
-            <a:spLocks noGrp="1"/>
-          </p:cNvSpPr>
-          <p:nvPr>
-            <p:ph type="title"/>
-          </p:nvPr>
-        </p:nvSpPr>
-        <p:spPr/>
-        <p:txBody>
-          <a:bodyPr/>
+              <a:rPr lang="en-US"/>
+              <a:t>3/31/23            ‹#›</a:t>
+            </a:r>
+          </a:p>
+        </p:txBody>
+      </p:sp>
+      <p:sp>
+        <p:nvSpPr>
+          <p:cNvPr id="8" name="TextBox 7">
+            <a:extLst>
+              <a:ext uri="{FF2B5EF4-FFF2-40B4-BE49-F238E27FC236}">
+                <a16:creationId xmlns:a16="http://schemas.microsoft.com/office/drawing/2014/main" id="{AB1A9C78-7086-A26B-6586-D12CDA626344}"/>
+              </a:ext>
+            </a:extLst>
+          </p:cNvPr>
+          <p:cNvSpPr txBox="1"/>
+          <p:nvPr/>
+        </p:nvSpPr>
+        <p:spPr>
+          <a:xfrm>
+            <a:off x="1406769" y="5809957"/>
+            <a:ext cx="2447779" cy="369332"/>
+          </a:xfrm>
+          <a:prstGeom prst="rect">
+            <a:avLst/>
+          </a:prstGeom>
+          <a:noFill/>
+        </p:spPr>
+        <p:txBody>
+          <a:bodyPr wrap="square" rtlCol="0">
+            <a:spAutoFit/>
+          </a:bodyPr>
           <a:lstStyle/>
           <a:p>
             <a:r>
               <a:rPr lang="en-US" dirty="0"/>
-              <a:t>Next Week</a:t>
-            </a:r>
-          </a:p>
-        </p:txBody>
-      </p:sp>
-      <p:sp>
-        <p:nvSpPr>
-          <p:cNvPr id="5" name="Footer Placeholder 4">
-            <a:extLst>
-              <a:ext uri="{FF2B5EF4-FFF2-40B4-BE49-F238E27FC236}">
-                <a16:creationId xmlns:a16="http://schemas.microsoft.com/office/drawing/2014/main" id="{51BAB307-58AA-C3F2-0BBB-500351B01F7A}"/>
-              </a:ext>
-            </a:extLst>
-          </p:cNvPr>
-          <p:cNvSpPr>
-            <a:spLocks noGrp="1"/>
-          </p:cNvSpPr>
-          <p:nvPr>
-            <p:ph type="ftr" sz="quarter" idx="12"/>
-          </p:nvPr>
-        </p:nvSpPr>
-        <p:spPr/>
-        <p:txBody>
-          <a:bodyPr/>
+              <a:t>Force Gauge</a:t>
+            </a:r>
+          </a:p>
+        </p:txBody>
+      </p:sp>
+      <p:sp>
+        <p:nvSpPr>
+          <p:cNvPr id="9" name="TextBox 8">
+            <a:extLst>
+              <a:ext uri="{FF2B5EF4-FFF2-40B4-BE49-F238E27FC236}">
+                <a16:creationId xmlns:a16="http://schemas.microsoft.com/office/drawing/2014/main" id="{A6512F9A-577F-7710-1DD1-AD20E33FD3B9}"/>
+              </a:ext>
+            </a:extLst>
+          </p:cNvPr>
+          <p:cNvSpPr txBox="1"/>
+          <p:nvPr/>
+        </p:nvSpPr>
+        <p:spPr>
+          <a:xfrm>
+            <a:off x="5863883" y="5787603"/>
+            <a:ext cx="2447779" cy="369332"/>
+          </a:xfrm>
+          <a:prstGeom prst="rect">
+            <a:avLst/>
+          </a:prstGeom>
+          <a:noFill/>
+        </p:spPr>
+        <p:txBody>
+          <a:bodyPr wrap="square" rtlCol="0">
+            <a:spAutoFit/>
+          </a:bodyPr>
           <a:lstStyle/>
           <a:p>
-            <a:pPr algn="r"/>
-            <a:r>
-              <a:rPr lang="en-US" dirty="0"/>
-              <a:t>6/7</a:t>
+            <a:r>
+              <a:rPr lang="en-US" dirty="0"/>
+              <a:t>Charge Amplifier</a:t>
             </a:r>
           </a:p>
         </p:txBody>
@@ -15720,7 +16598,7 @@
     </p:spTree>
     <p:extLst>
       <p:ext uri="{BB962C8B-B14F-4D97-AF65-F5344CB8AC3E}">
-        <p14:creationId xmlns:p14="http://schemas.microsoft.com/office/powerpoint/2010/main" val="257444251"/>
+        <p14:creationId xmlns:p14="http://schemas.microsoft.com/office/powerpoint/2010/main" val="1611386780"/>
       </p:ext>
     </p:extLst>
   </p:cSld>
@@ -15735,7 +16613,13 @@
   <p:cSld>
     <p:spTree>
       <p:nvGrpSpPr>
-        <p:cNvPr id="1" name=""/>
+        <p:cNvPr id="1" name="">
+          <a:extLst>
+            <a:ext uri="{FF2B5EF4-FFF2-40B4-BE49-F238E27FC236}">
+              <a16:creationId xmlns:a16="http://schemas.microsoft.com/office/drawing/2014/main" id="{0106CA40-1DEC-513C-7804-F52CB072945D}"/>
+            </a:ext>
+          </a:extLst>
+        </p:cNvPr>
         <p:cNvGrpSpPr/>
         <p:nvPr/>
       </p:nvGrpSpPr>
@@ -15749,18 +16633,18 @@
       </p:grpSpPr>
       <p:sp>
         <p:nvSpPr>
-          <p:cNvPr id="2" name="Title 1">
-            <a:extLst>
-              <a:ext uri="{FF2B5EF4-FFF2-40B4-BE49-F238E27FC236}">
-                <a16:creationId xmlns:a16="http://schemas.microsoft.com/office/drawing/2014/main" id="{E4E72CBA-026F-7E96-546F-23B8813A83DA}"/>
-              </a:ext>
-            </a:extLst>
-          </p:cNvPr>
-          <p:cNvSpPr>
-            <a:spLocks noGrp="1"/>
-          </p:cNvSpPr>
-          <p:nvPr>
-            <p:ph type="title"/>
+          <p:cNvPr id="2" name="Text Placeholder 1">
+            <a:extLst>
+              <a:ext uri="{FF2B5EF4-FFF2-40B4-BE49-F238E27FC236}">
+                <a16:creationId xmlns:a16="http://schemas.microsoft.com/office/drawing/2014/main" id="{61FAA087-214C-DB66-33EF-AB8450BD6474}"/>
+              </a:ext>
+            </a:extLst>
+          </p:cNvPr>
+          <p:cNvSpPr>
+            <a:spLocks noGrp="1"/>
+          </p:cNvSpPr>
+          <p:nvPr>
+            <p:ph type="body" sz="quarter" idx="11"/>
           </p:nvPr>
         </p:nvSpPr>
         <p:spPr/>
@@ -15770,17 +16654,74 @@
           <a:p>
             <a:r>
               <a:rPr lang="en-US" dirty="0"/>
-              <a:t>Thank You</a:t>
-            </a:r>
-          </a:p>
-        </p:txBody>
-      </p:sp>
-      <p:sp>
-        <p:nvSpPr>
-          <p:cNvPr id="3" name="Text Placeholder 2">
-            <a:extLst>
-              <a:ext uri="{FF2B5EF4-FFF2-40B4-BE49-F238E27FC236}">
-                <a16:creationId xmlns:a16="http://schemas.microsoft.com/office/drawing/2014/main" id="{CE8FBDCD-BC38-D4A8-A210-EA02F2610057}"/>
+              <a:t>Final Sensor Selections (Force + Strain)</a:t>
+            </a:r>
+          </a:p>
+        </p:txBody>
+      </p:sp>
+      <p:sp>
+        <p:nvSpPr>
+          <p:cNvPr id="4" name="Title 3">
+            <a:extLst>
+              <a:ext uri="{FF2B5EF4-FFF2-40B4-BE49-F238E27FC236}">
+                <a16:creationId xmlns:a16="http://schemas.microsoft.com/office/drawing/2014/main" id="{54C3047A-8F0F-9039-5013-99EF91DC5FD2}"/>
+              </a:ext>
+            </a:extLst>
+          </p:cNvPr>
+          <p:cNvSpPr>
+            <a:spLocks noGrp="1"/>
+          </p:cNvSpPr>
+          <p:nvPr>
+            <p:ph type="title"/>
+          </p:nvPr>
+        </p:nvSpPr>
+        <p:spPr/>
+        <p:txBody>
+          <a:bodyPr/>
+          <a:lstStyle/>
+          <a:p>
+            <a:r>
+              <a:rPr lang="en-US" dirty="0"/>
+              <a:t>Case Study on Resistive vs. Capacitive Sensors</a:t>
+            </a:r>
+          </a:p>
+        </p:txBody>
+      </p:sp>
+      <p:sp>
+        <p:nvSpPr>
+          <p:cNvPr id="5" name="Footer Placeholder 4">
+            <a:extLst>
+              <a:ext uri="{FF2B5EF4-FFF2-40B4-BE49-F238E27FC236}">
+                <a16:creationId xmlns:a16="http://schemas.microsoft.com/office/drawing/2014/main" id="{9B6CC4C4-F709-6D1D-417A-A618A9CA552F}"/>
+              </a:ext>
+            </a:extLst>
+          </p:cNvPr>
+          <p:cNvSpPr>
+            <a:spLocks noGrp="1"/>
+          </p:cNvSpPr>
+          <p:nvPr>
+            <p:ph type="ftr" sz="quarter" idx="12"/>
+          </p:nvPr>
+        </p:nvSpPr>
+        <p:spPr/>
+        <p:txBody>
+          <a:bodyPr/>
+          <a:lstStyle/>
+          <a:p>
+            <a:pPr algn="r"/>
+            <a:r>
+              <a:rPr lang="en-US" dirty="0"/>
+              <a:t>3/7</a:t>
+            </a:r>
+          </a:p>
+        </p:txBody>
+      </p:sp>
+      <p:sp>
+        <p:nvSpPr>
+          <p:cNvPr id="8" name="Text Placeholder 7">
+            <a:extLst>
+              <a:ext uri="{FF2B5EF4-FFF2-40B4-BE49-F238E27FC236}">
+                <a16:creationId xmlns:a16="http://schemas.microsoft.com/office/drawing/2014/main" id="{97CC6E24-94EE-D4E9-DF23-BC692916AA53}"/>
               </a:ext>
             </a:extLst>
           </p:cNvPr>
@@ -15793,14 +16734,104 @@
         </p:nvSpPr>
         <p:spPr/>
         <p:txBody>
-          <a:bodyPr>
-            <a:normAutofit/>
-          </a:bodyPr>
+          <a:bodyPr/>
           <a:lstStyle/>
           <a:p>
-            <a:r>
-              <a:rPr lang="en-US" dirty="0"/>
-              <a:t>Purdue Polytechnic Institute</a:t>
+            <a:pPr marL="285750" indent="-285750">
+              <a:buFont typeface="Arial" panose="020B0604020202020204" pitchFamily="34" charset="0"/>
+              <a:buChar char="•"/>
+            </a:pPr>
+            <a:r>
+              <a:rPr lang="en-US" dirty="0"/>
+              <a:t>Strain Sensor (Resistive Sensor + Wheatstone Bridge)</a:t>
+            </a:r>
+          </a:p>
+          <a:p>
+            <a:pPr marL="628650" lvl="1" indent="-285750">
+              <a:buFont typeface="Arial" panose="020B0604020202020204" pitchFamily="34" charset="0"/>
+              <a:buChar char="•"/>
+            </a:pPr>
+            <a:r>
+              <a:rPr lang="en-US" dirty="0"/>
+              <a:t>Resistive Sensor: </a:t>
+            </a:r>
+            <a:r>
+              <a:rPr lang="en-US" b="1" dirty="0"/>
+              <a:t>C4A-06-125SLA-120-39P </a:t>
+            </a:r>
+          </a:p>
+          <a:p>
+            <a:pPr marL="628650" lvl="1" indent="-285750">
+              <a:buFont typeface="Arial" panose="020B0604020202020204" pitchFamily="34" charset="0"/>
+              <a:buChar char="•"/>
+            </a:pPr>
+            <a:r>
+              <a:rPr lang="en-US" dirty="0"/>
+              <a:t>https://</a:t>
+            </a:r>
+            <a:r>
+              <a:rPr lang="en-US" dirty="0" err="1"/>
+              <a:t>mm.digikey.com</a:t>
+            </a:r>
+            <a:r>
+              <a:rPr lang="en-US" dirty="0"/>
+              <a:t>/Volume0/</a:t>
+            </a:r>
+            <a:r>
+              <a:rPr lang="en-US" dirty="0" err="1"/>
+              <a:t>opasdata</a:t>
+            </a:r>
+            <a:r>
+              <a:rPr lang="en-US" dirty="0"/>
+              <a:t>/d220001/medias/docus/696/125SL.pdf</a:t>
+            </a:r>
+          </a:p>
+          <a:p>
+            <a:pPr marL="628650" lvl="1" indent="-285750">
+              <a:buFont typeface="Arial" panose="020B0604020202020204" pitchFamily="34" charset="0"/>
+              <a:buChar char="•"/>
+            </a:pPr>
+            <a:r>
+              <a:rPr lang="en-US" dirty="0"/>
+              <a:t>Charge Amplifier: </a:t>
+            </a:r>
+            <a:r>
+              <a:rPr lang="en-US" b="1" dirty="0"/>
+              <a:t>INA333AIDGKT</a:t>
+            </a:r>
+          </a:p>
+          <a:p>
+            <a:pPr marL="628650" lvl="1" indent="-285750">
+              <a:buFont typeface="Arial" panose="020B0604020202020204" pitchFamily="34" charset="0"/>
+              <a:buChar char="•"/>
+            </a:pPr>
+            <a:r>
+              <a:rPr lang="en-US" dirty="0"/>
+              <a:t>https://</a:t>
+            </a:r>
+            <a:r>
+              <a:rPr lang="en-US" dirty="0" err="1"/>
+              <a:t>www.digikey.com</a:t>
+            </a:r>
+            <a:r>
+              <a:rPr lang="en-US" dirty="0"/>
+              <a:t>/</a:t>
+            </a:r>
+            <a:r>
+              <a:rPr lang="en-US" dirty="0" err="1"/>
+              <a:t>en</a:t>
+            </a:r>
+            <a:r>
+              <a:rPr lang="en-US" dirty="0"/>
+              <a:t>/products/detail/</a:t>
+            </a:r>
+            <a:r>
+              <a:rPr lang="en-US" dirty="0" err="1"/>
+              <a:t>texas</a:t>
+            </a:r>
+            <a:r>
+              <a:rPr lang="en-US" dirty="0"/>
+              <a:t>-instruments/INA333AIDGKT/1888785?</a:t>
             </a:r>
           </a:p>
         </p:txBody>
@@ -15808,7 +16839,7 @@
     </p:spTree>
     <p:extLst>
       <p:ext uri="{BB962C8B-B14F-4D97-AF65-F5344CB8AC3E}">
-        <p14:creationId xmlns:p14="http://schemas.microsoft.com/office/powerpoint/2010/main" val="3555266232"/>
+        <p14:creationId xmlns:p14="http://schemas.microsoft.com/office/powerpoint/2010/main" val="3815612643"/>
       </p:ext>
     </p:extLst>
   </p:cSld>
@@ -16401,6 +17432,15 @@
 </file>
 
 <file path=customXml/item1.xml><?xml version="1.0" encoding="utf-8"?>
+<?mso-contentType ?>
+<FormTemplates xmlns="http://schemas.microsoft.com/sharepoint/v3/contenttype/forms">
+  <Display>DocumentLibraryForm</Display>
+  <Edit>DocumentLibraryForm</Edit>
+  <New>DocumentLibraryForm</New>
+</FormTemplates>
+</file>
+
+<file path=customXml/item2.xml><?xml version="1.0" encoding="utf-8"?>
 <p:properties xmlns:p="http://schemas.microsoft.com/office/2006/metadata/properties" xmlns:xsi="http://www.w3.org/2001/XMLSchema-instance" xmlns:pc="http://schemas.microsoft.com/office/infopath/2007/PartnerControls">
   <documentManagement>
     <SharedWithUsers xmlns="d6656b4d-3fa0-4709-acfb-d5e813445d1e">
@@ -16441,15 +17481,6 @@
     <TaxCatchAll xmlns="d6656b4d-3fa0-4709-acfb-d5e813445d1e" xsi:nil="true"/>
   </documentManagement>
 </p:properties>
-</file>
-
-<file path=customXml/item2.xml><?xml version="1.0" encoding="utf-8"?>
-<?mso-contentType ?>
-<FormTemplates xmlns="http://schemas.microsoft.com/sharepoint/v3/contenttype/forms">
-  <Display>DocumentLibraryForm</Display>
-  <Edit>DocumentLibraryForm</Edit>
-  <New>DocumentLibraryForm</New>
-</FormTemplates>
 </file>
 
 <file path=customXml/item3.xml><?xml version="1.0" encoding="utf-8"?>
@@ -16676,6 +17707,14 @@
 </file>
 
 <file path=customXml/itemProps1.xml><?xml version="1.0" encoding="utf-8"?>
+<ds:datastoreItem xmlns:ds="http://schemas.openxmlformats.org/officeDocument/2006/customXml" ds:itemID="{F5B64EEB-1B4A-4920-AA44-E234D7D487D1}">
+  <ds:schemaRefs>
+    <ds:schemaRef ds:uri="http://schemas.microsoft.com/sharepoint/v3/contenttype/forms"/>
+  </ds:schemaRefs>
+</ds:datastoreItem>
+</file>
+
+<file path=customXml/itemProps2.xml><?xml version="1.0" encoding="utf-8"?>
 <ds:datastoreItem xmlns:ds="http://schemas.openxmlformats.org/officeDocument/2006/customXml" ds:itemID="{21DE0D6C-581B-4814-98E7-EF172D5D46A1}">
   <ds:schemaRefs>
     <ds:schemaRef ds:uri="http://purl.org/dc/elements/1.1/"/>
@@ -16688,14 +17727,6 @@
     <ds:schemaRef ds:uri="http://schemas.microsoft.com/office/2006/metadata/properties"/>
     <ds:schemaRef ds:uri="http://www.w3.org/XML/1998/namespace"/>
     <ds:schemaRef ds:uri="http://purl.org/dc/dcmitype/"/>
-  </ds:schemaRefs>
-</ds:datastoreItem>
-</file>
-
-<file path=customXml/itemProps2.xml><?xml version="1.0" encoding="utf-8"?>
-<ds:datastoreItem xmlns:ds="http://schemas.openxmlformats.org/officeDocument/2006/customXml" ds:itemID="{F5B64EEB-1B4A-4920-AA44-E234D7D487D1}">
-  <ds:schemaRefs>
-    <ds:schemaRef ds:uri="http://schemas.microsoft.com/sharepoint/v3/contenttype/forms"/>
   </ds:schemaRefs>
 </ds:datastoreItem>
 </file>
